--- a/박병근/지원사업/사회적기업/업무 회의 제목.pptx
+++ b/박병근/지원사업/사회적기업/업무 회의 제목.pptx
@@ -5,10 +5,10 @@
     <p:sldMasterId id="2147483672" r:id="rId1"/>
   </p:sldMasterIdLst>
   <p:notesMasterIdLst>
-    <p:notesMasterId r:id="rId8"/>
+    <p:notesMasterId r:id="rId10"/>
   </p:notesMasterIdLst>
   <p:handoutMasterIdLst>
-    <p:handoutMasterId r:id="rId9"/>
+    <p:handoutMasterId r:id="rId11"/>
   </p:handoutMasterIdLst>
   <p:sldIdLst>
     <p:sldId id="270" r:id="rId2"/>
@@ -16,7 +16,9 @@
     <p:sldId id="273" r:id="rId4"/>
     <p:sldId id="272" r:id="rId5"/>
     <p:sldId id="274" r:id="rId6"/>
-    <p:sldId id="275" r:id="rId7"/>
+    <p:sldId id="276" r:id="rId7"/>
+    <p:sldId id="275" r:id="rId8"/>
+    <p:sldId id="277" r:id="rId9"/>
   </p:sldIdLst>
   <p:sldSz cx="12192000" cy="6858000"/>
   <p:notesSz cx="6858000" cy="9144000"/>
@@ -1354,6 +1356,11 @@
                 </a:outerShdw>
               </a:effectLst>
             </c:spPr>
+            <c:extLst>
+              <c:ext xmlns:c16="http://schemas.microsoft.com/office/drawing/2014/chart" uri="{C3380CC4-5D6E-409C-BE32-E72D297353CC}">
+                <c16:uniqueId val="{00000001-A5D5-4E80-98D4-DEE26F62465A}"/>
+              </c:ext>
+            </c:extLst>
           </c:dPt>
           <c:dPt>
             <c:idx val="1"/>
@@ -1373,6 +1380,11 @@
                 </a:outerShdw>
               </a:effectLst>
             </c:spPr>
+            <c:extLst>
+              <c:ext xmlns:c16="http://schemas.microsoft.com/office/drawing/2014/chart" uri="{C3380CC4-5D6E-409C-BE32-E72D297353CC}">
+                <c16:uniqueId val="{00000003-A5D5-4E80-98D4-DEE26F62465A}"/>
+              </c:ext>
+            </c:extLst>
           </c:dPt>
           <c:dPt>
             <c:idx val="2"/>
@@ -1392,6 +1404,11 @@
                 </a:outerShdw>
               </a:effectLst>
             </c:spPr>
+            <c:extLst>
+              <c:ext xmlns:c16="http://schemas.microsoft.com/office/drawing/2014/chart" uri="{C3380CC4-5D6E-409C-BE32-E72D297353CC}">
+                <c16:uniqueId val="{00000005-A5D5-4E80-98D4-DEE26F62465A}"/>
+              </c:ext>
+            </c:extLst>
           </c:dPt>
           <c:dPt>
             <c:idx val="3"/>
@@ -1411,6 +1428,11 @@
                 </a:outerShdw>
               </a:effectLst>
             </c:spPr>
+            <c:extLst>
+              <c:ext xmlns:c16="http://schemas.microsoft.com/office/drawing/2014/chart" uri="{C3380CC4-5D6E-409C-BE32-E72D297353CC}">
+                <c16:uniqueId val="{00000007-A5D5-4E80-98D4-DEE26F62465A}"/>
+              </c:ext>
+            </c:extLst>
           </c:dPt>
           <c:dPt>
             <c:idx val="4"/>
@@ -1430,6 +1452,11 @@
                 </a:outerShdw>
               </a:effectLst>
             </c:spPr>
+            <c:extLst>
+              <c:ext xmlns:c16="http://schemas.microsoft.com/office/drawing/2014/chart" uri="{C3380CC4-5D6E-409C-BE32-E72D297353CC}">
+                <c16:uniqueId val="{00000009-A5D5-4E80-98D4-DEE26F62465A}"/>
+              </c:ext>
+            </c:extLst>
           </c:dPt>
           <c:dLbls>
             <c:spPr>
@@ -3483,7 +3510,7 @@
                 <a:latin typeface="맑은 고딕" panose="020B0503020000020004" pitchFamily="50" charset="-127"/>
                 <a:ea typeface="맑은 고딕" panose="020B0503020000020004" pitchFamily="50" charset="-127"/>
               </a:rPr>
-              <a:t>2019-02-06</a:t>
+              <a:t>2019-02-07</a:t>
             </a:fld>
             <a:endParaRPr lang="ko-KR" altLang="en-US">
               <a:latin typeface="맑은 고딕" panose="020B0503020000020004" pitchFamily="50" charset="-127"/>
@@ -3669,7 +3696,7 @@
           <a:p>
             <a:fld id="{89156258-22C2-4882-9F1C-855237B765CF}" type="datetime1">
               <a:rPr lang="ko-KR" altLang="en-US" noProof="0" smtClean="0"/>
-              <a:t>2019-02-06</a:t>
+              <a:t>2019-02-07</a:t>
             </a:fld>
             <a:endParaRPr lang="ko-KR" altLang="en-US" noProof="0"/>
           </a:p>
@@ -3993,7 +4020,32 @@
           <a:bodyPr/>
           <a:lstStyle/>
           <a:p>
-            <a:endParaRPr lang="ko-KR" altLang="en-US"/>
+            <a:r>
+              <a:rPr lang="ko-KR" altLang="en-US" dirty="0"/>
+              <a:t>좁게는 지역사회의 외국인 분들부터 </a:t>
+            </a:r>
+            <a:br>
+              <a:rPr lang="en-US" altLang="ko-KR" dirty="0"/>
+            </a:br>
+            <a:r>
+              <a:rPr lang="ko-KR" altLang="en-US" dirty="0"/>
+              <a:t>넓게는 전 세계에 대한민국에 관심이 있는 외국인들에게 </a:t>
+            </a:r>
+            <a:br>
+              <a:rPr lang="en-US" altLang="ko-KR" dirty="0"/>
+            </a:br>
+            <a:br>
+              <a:rPr lang="en-US" altLang="ko-KR" dirty="0"/>
+            </a:br>
+            <a:r>
+              <a:rPr lang="ko-KR" altLang="en-US" dirty="0"/>
+              <a:t>널리 한글을 알릴 수 있는 어플을 제작하는 배우미 입니다</a:t>
+            </a:r>
+            <a:r>
+              <a:rPr lang="en-US" altLang="ko-KR" dirty="0"/>
+              <a:t>.</a:t>
+            </a:r>
+            <a:endParaRPr lang="ko-KR" altLang="en-US" dirty="0"/>
           </a:p>
         </p:txBody>
       </p:sp>
@@ -4025,6 +4077,760 @@
     <p:extLst>
       <p:ext uri="{BB962C8B-B14F-4D97-AF65-F5344CB8AC3E}">
         <p14:creationId xmlns:p14="http://schemas.microsoft.com/office/powerpoint/2010/main" val="3883660985"/>
+      </p:ext>
+    </p:extLst>
+  </p:cSld>
+  <p:clrMapOvr>
+    <a:masterClrMapping/>
+  </p:clrMapOvr>
+</p:notes>
+</file>
+
+<file path=ppt/notesSlides/notesSlide2.xml><?xml version="1.0" encoding="utf-8"?>
+<p:notes xmlns:a="http://schemas.openxmlformats.org/drawingml/2006/main" xmlns:r="http://schemas.openxmlformats.org/officeDocument/2006/relationships" xmlns:p="http://schemas.openxmlformats.org/presentationml/2006/main">
+  <p:cSld>
+    <p:spTree>
+      <p:nvGrpSpPr>
+        <p:cNvPr id="1" name=""/>
+        <p:cNvGrpSpPr/>
+        <p:nvPr/>
+      </p:nvGrpSpPr>
+      <p:grpSpPr>
+        <a:xfrm>
+          <a:off x="0" y="0"/>
+          <a:ext cx="0" cy="0"/>
+          <a:chOff x="0" y="0"/>
+          <a:chExt cx="0" cy="0"/>
+        </a:xfrm>
+      </p:grpSpPr>
+      <p:sp>
+        <p:nvSpPr>
+          <p:cNvPr id="2" name="슬라이드 이미지 개체 틀 1"/>
+          <p:cNvSpPr>
+            <a:spLocks noGrp="1" noRot="1" noChangeAspect="1"/>
+          </p:cNvSpPr>
+          <p:nvPr>
+            <p:ph type="sldImg"/>
+          </p:nvPr>
+        </p:nvSpPr>
+        <p:spPr/>
+      </p:sp>
+      <p:sp>
+        <p:nvSpPr>
+          <p:cNvPr id="3" name="슬라이드 노트 개체 틀 2"/>
+          <p:cNvSpPr>
+            <a:spLocks noGrp="1"/>
+          </p:cNvSpPr>
+          <p:nvPr>
+            <p:ph type="body" idx="1"/>
+          </p:nvPr>
+        </p:nvSpPr>
+        <p:spPr/>
+        <p:txBody>
+          <a:bodyPr/>
+          <a:lstStyle/>
+          <a:p>
+            <a:r>
+              <a:rPr lang="ko-KR" altLang="en-US" dirty="0"/>
+              <a:t>우리 사회가 갖고 있는 사회적 문제를 지적하여 인식한 뒤</a:t>
+            </a:r>
+            <a:endParaRPr lang="en-US" altLang="ko-KR" dirty="0"/>
+          </a:p>
+          <a:p>
+            <a:r>
+              <a:rPr lang="ko-KR" altLang="en-US" dirty="0"/>
+              <a:t>그 문제를 해결하기 위한 방안과 저희가 제작한 </a:t>
+            </a:r>
+            <a:r>
+              <a:rPr lang="ko-KR" altLang="en-US" dirty="0" err="1"/>
+              <a:t>어플에</a:t>
+            </a:r>
+            <a:r>
+              <a:rPr lang="ko-KR" altLang="en-US" dirty="0"/>
+              <a:t> 대한 소개</a:t>
+            </a:r>
+            <a:endParaRPr lang="en-US" altLang="ko-KR" dirty="0"/>
+          </a:p>
+          <a:p>
+            <a:r>
+              <a:rPr lang="ko-KR" altLang="en-US" dirty="0"/>
+              <a:t>마지막으로 향후 저희 기업의 목표에 대해 발표하도록 하겠습니다</a:t>
+            </a:r>
+            <a:r>
+              <a:rPr lang="en-US" altLang="ko-KR" dirty="0"/>
+              <a:t>.</a:t>
+            </a:r>
+          </a:p>
+        </p:txBody>
+      </p:sp>
+      <p:sp>
+        <p:nvSpPr>
+          <p:cNvPr id="4" name="슬라이드 번호 개체 틀 3"/>
+          <p:cNvSpPr>
+            <a:spLocks noGrp="1"/>
+          </p:cNvSpPr>
+          <p:nvPr>
+            <p:ph type="sldNum" sz="quarter" idx="5"/>
+          </p:nvPr>
+        </p:nvSpPr>
+        <p:spPr/>
+        <p:txBody>
+          <a:bodyPr/>
+          <a:lstStyle/>
+          <a:p>
+            <a:fld id="{3DF1C5CE-222C-4659-9A99-B99FC42AF6EC}" type="slidenum">
+              <a:rPr lang="en-US" altLang="ko-KR" noProof="0" smtClean="0"/>
+              <a:pPr/>
+              <a:t>2</a:t>
+            </a:fld>
+            <a:endParaRPr lang="ko-KR" altLang="en-US" noProof="0"/>
+          </a:p>
+        </p:txBody>
+      </p:sp>
+    </p:spTree>
+    <p:extLst>
+      <p:ext uri="{BB962C8B-B14F-4D97-AF65-F5344CB8AC3E}">
+        <p14:creationId xmlns:p14="http://schemas.microsoft.com/office/powerpoint/2010/main" val="1215793612"/>
+      </p:ext>
+    </p:extLst>
+  </p:cSld>
+  <p:clrMapOvr>
+    <a:masterClrMapping/>
+  </p:clrMapOvr>
+</p:notes>
+</file>
+
+<file path=ppt/notesSlides/notesSlide3.xml><?xml version="1.0" encoding="utf-8"?>
+<p:notes xmlns:a="http://schemas.openxmlformats.org/drawingml/2006/main" xmlns:r="http://schemas.openxmlformats.org/officeDocument/2006/relationships" xmlns:p="http://schemas.openxmlformats.org/presentationml/2006/main">
+  <p:cSld>
+    <p:spTree>
+      <p:nvGrpSpPr>
+        <p:cNvPr id="1" name=""/>
+        <p:cNvGrpSpPr/>
+        <p:nvPr/>
+      </p:nvGrpSpPr>
+      <p:grpSpPr>
+        <a:xfrm>
+          <a:off x="0" y="0"/>
+          <a:ext cx="0" cy="0"/>
+          <a:chOff x="0" y="0"/>
+          <a:chExt cx="0" cy="0"/>
+        </a:xfrm>
+      </p:grpSpPr>
+      <p:sp>
+        <p:nvSpPr>
+          <p:cNvPr id="2" name="슬라이드 이미지 개체 틀 1"/>
+          <p:cNvSpPr>
+            <a:spLocks noGrp="1" noRot="1" noChangeAspect="1"/>
+          </p:cNvSpPr>
+          <p:nvPr>
+            <p:ph type="sldImg"/>
+          </p:nvPr>
+        </p:nvSpPr>
+        <p:spPr/>
+      </p:sp>
+      <p:sp>
+        <p:nvSpPr>
+          <p:cNvPr id="3" name="슬라이드 노트 개체 틀 2"/>
+          <p:cNvSpPr>
+            <a:spLocks noGrp="1"/>
+          </p:cNvSpPr>
+          <p:nvPr>
+            <p:ph type="body" idx="1"/>
+          </p:nvPr>
+        </p:nvSpPr>
+        <p:spPr/>
+        <p:txBody>
+          <a:bodyPr/>
+          <a:lstStyle/>
+          <a:p>
+            <a:r>
+              <a:rPr lang="ko-KR" altLang="en-US" dirty="0"/>
+              <a:t>외국인 언어문제에 대해서 지적하기 이전에 </a:t>
+            </a:r>
+            <a:endParaRPr lang="en-US" altLang="ko-KR" dirty="0"/>
+          </a:p>
+          <a:p>
+            <a:r>
+              <a:rPr lang="ko-KR" altLang="en-US" dirty="0"/>
+              <a:t>현재 우리나라 대한민국에 거주하는 외국인주민들의 증가 추이를 보여주는 그래프를 보시면</a:t>
+            </a:r>
+            <a:endParaRPr lang="en-US" altLang="ko-KR" dirty="0"/>
+          </a:p>
+          <a:p>
+            <a:r>
+              <a:rPr lang="en-US" altLang="ko-KR" dirty="0"/>
+              <a:t>2006</a:t>
+            </a:r>
+            <a:r>
+              <a:rPr lang="ko-KR" altLang="en-US" dirty="0"/>
+              <a:t>년 부터 자료의 </a:t>
+            </a:r>
+            <a:r>
+              <a:rPr lang="en-US" altLang="ko-KR" dirty="0"/>
+              <a:t>2017</a:t>
+            </a:r>
+            <a:r>
+              <a:rPr lang="ko-KR" altLang="en-US" dirty="0"/>
+              <a:t>년 까지 대한민국에 거주하는 외국인들의 수는 계속하여 증가하고 있으며 </a:t>
+            </a:r>
+            <a:endParaRPr lang="en-US" altLang="ko-KR" dirty="0"/>
+          </a:p>
+          <a:p>
+            <a:r>
+              <a:rPr lang="en-US" altLang="ko-KR" dirty="0"/>
+              <a:t>6</a:t>
+            </a:r>
+            <a:r>
+              <a:rPr lang="ko-KR" altLang="en-US" dirty="0" err="1"/>
+              <a:t>천원이였던</a:t>
+            </a:r>
+            <a:r>
+              <a:rPr lang="ko-KR" altLang="en-US" dirty="0"/>
+              <a:t> </a:t>
+            </a:r>
+            <a:r>
+              <a:rPr lang="en-US" altLang="ko-KR" dirty="0"/>
+              <a:t>2017</a:t>
+            </a:r>
+            <a:r>
+              <a:rPr lang="ko-KR" altLang="en-US" dirty="0"/>
+              <a:t>년에 비해 최저시급이 </a:t>
+            </a:r>
+            <a:r>
+              <a:rPr lang="en-US" altLang="ko-KR" dirty="0"/>
+              <a:t>8,350</a:t>
+            </a:r>
+            <a:r>
+              <a:rPr lang="ko-KR" altLang="en-US" dirty="0"/>
+              <a:t>원인 올해</a:t>
+            </a:r>
+            <a:r>
+              <a:rPr lang="en-US" altLang="ko-KR" dirty="0"/>
+              <a:t>2019</a:t>
+            </a:r>
+            <a:r>
+              <a:rPr lang="ko-KR" altLang="en-US" dirty="0"/>
+              <a:t>년 에는 더욱 더 증가할 것으로 예측이 되고 있습니다</a:t>
+            </a:r>
+            <a:r>
+              <a:rPr lang="en-US" altLang="ko-KR" dirty="0"/>
+              <a:t>.</a:t>
+            </a:r>
+          </a:p>
+        </p:txBody>
+      </p:sp>
+      <p:sp>
+        <p:nvSpPr>
+          <p:cNvPr id="4" name="슬라이드 번호 개체 틀 3"/>
+          <p:cNvSpPr>
+            <a:spLocks noGrp="1"/>
+          </p:cNvSpPr>
+          <p:nvPr>
+            <p:ph type="sldNum" sz="quarter" idx="5"/>
+          </p:nvPr>
+        </p:nvSpPr>
+        <p:spPr/>
+        <p:txBody>
+          <a:bodyPr/>
+          <a:lstStyle/>
+          <a:p>
+            <a:fld id="{3DF1C5CE-222C-4659-9A99-B99FC42AF6EC}" type="slidenum">
+              <a:rPr lang="en-US" altLang="ko-KR" noProof="0" smtClean="0"/>
+              <a:pPr/>
+              <a:t>3</a:t>
+            </a:fld>
+            <a:endParaRPr lang="ko-KR" altLang="en-US" noProof="0"/>
+          </a:p>
+        </p:txBody>
+      </p:sp>
+    </p:spTree>
+    <p:extLst>
+      <p:ext uri="{BB962C8B-B14F-4D97-AF65-F5344CB8AC3E}">
+        <p14:creationId xmlns:p14="http://schemas.microsoft.com/office/powerpoint/2010/main" val="1453611888"/>
+      </p:ext>
+    </p:extLst>
+  </p:cSld>
+  <p:clrMapOvr>
+    <a:masterClrMapping/>
+  </p:clrMapOvr>
+</p:notes>
+</file>
+
+<file path=ppt/notesSlides/notesSlide4.xml><?xml version="1.0" encoding="utf-8"?>
+<p:notes xmlns:a="http://schemas.openxmlformats.org/drawingml/2006/main" xmlns:r="http://schemas.openxmlformats.org/officeDocument/2006/relationships" xmlns:p="http://schemas.openxmlformats.org/presentationml/2006/main">
+  <p:cSld>
+    <p:spTree>
+      <p:nvGrpSpPr>
+        <p:cNvPr id="1" name=""/>
+        <p:cNvGrpSpPr/>
+        <p:nvPr/>
+      </p:nvGrpSpPr>
+      <p:grpSpPr>
+        <a:xfrm>
+          <a:off x="0" y="0"/>
+          <a:ext cx="0" cy="0"/>
+          <a:chOff x="0" y="0"/>
+          <a:chExt cx="0" cy="0"/>
+        </a:xfrm>
+      </p:grpSpPr>
+      <p:sp>
+        <p:nvSpPr>
+          <p:cNvPr id="2" name="슬라이드 이미지 개체 틀 1"/>
+          <p:cNvSpPr>
+            <a:spLocks noGrp="1" noRot="1" noChangeAspect="1"/>
+          </p:cNvSpPr>
+          <p:nvPr>
+            <p:ph type="sldImg"/>
+          </p:nvPr>
+        </p:nvSpPr>
+        <p:spPr/>
+      </p:sp>
+      <p:sp>
+        <p:nvSpPr>
+          <p:cNvPr id="3" name="슬라이드 노트 개체 틀 2"/>
+          <p:cNvSpPr>
+            <a:spLocks noGrp="1"/>
+          </p:cNvSpPr>
+          <p:nvPr>
+            <p:ph type="body" idx="1"/>
+          </p:nvPr>
+        </p:nvSpPr>
+        <p:spPr/>
+        <p:txBody>
+          <a:bodyPr/>
+          <a:lstStyle/>
+          <a:p>
+            <a:r>
+              <a:rPr lang="ko-KR" altLang="en-US" dirty="0"/>
+              <a:t>저희가 이 문제를 사회적 문제로 인식하여 삼게 된 이유는 </a:t>
+            </a:r>
+            <a:endParaRPr lang="en-US" altLang="ko-KR" dirty="0"/>
+          </a:p>
+          <a:p>
+            <a:r>
+              <a:rPr lang="ko-KR" altLang="en-US" dirty="0"/>
+              <a:t>저희 지역이 계속하여 해결하기 위해 노력하고 있는 문제 중 하나이기 때문입니다</a:t>
+            </a:r>
+            <a:r>
+              <a:rPr lang="en-US" altLang="ko-KR" dirty="0"/>
+              <a:t>.</a:t>
+            </a:r>
+          </a:p>
+          <a:p>
+            <a:r>
+              <a:rPr lang="ko-KR" altLang="en-US" dirty="0"/>
+              <a:t>제가 살고있는 시흥시는 안산과 인천 인근의 지역이며 위의 표를 보시면 경기도 내에 외국인 수 </a:t>
+            </a:r>
+            <a:r>
+              <a:rPr lang="en-US" altLang="ko-KR" dirty="0"/>
+              <a:t>2</a:t>
+            </a:r>
+            <a:r>
+              <a:rPr lang="ko-KR" altLang="en-US" dirty="0"/>
+              <a:t>위인 지역입니다</a:t>
+            </a:r>
+            <a:r>
+              <a:rPr lang="en-US" altLang="ko-KR" dirty="0"/>
+              <a:t>.</a:t>
+            </a:r>
+          </a:p>
+          <a:p>
+            <a:endParaRPr lang="en-US" altLang="ko-KR" dirty="0"/>
+          </a:p>
+          <a:p>
+            <a:r>
+              <a:rPr lang="ko-KR" altLang="en-US" dirty="0"/>
+              <a:t>무시할 수 없는 만큼의 영향력을 가진 사회적 문제로 성장하였으며 </a:t>
+            </a:r>
+            <a:r>
+              <a:rPr lang="ko-KR" altLang="en-US" dirty="0" err="1"/>
+              <a:t>오랜시간</a:t>
+            </a:r>
+            <a:r>
+              <a:rPr lang="ko-KR" altLang="en-US" dirty="0"/>
+              <a:t> 동안 지역에서 갖고 있던 해결하기 위해 노력하던</a:t>
+            </a:r>
+            <a:endParaRPr lang="en-US" altLang="ko-KR" dirty="0"/>
+          </a:p>
+          <a:p>
+            <a:endParaRPr lang="en-US" altLang="ko-KR" dirty="0"/>
+          </a:p>
+        </p:txBody>
+      </p:sp>
+      <p:sp>
+        <p:nvSpPr>
+          <p:cNvPr id="4" name="슬라이드 번호 개체 틀 3"/>
+          <p:cNvSpPr>
+            <a:spLocks noGrp="1"/>
+          </p:cNvSpPr>
+          <p:nvPr>
+            <p:ph type="sldNum" sz="quarter" idx="5"/>
+          </p:nvPr>
+        </p:nvSpPr>
+        <p:spPr/>
+        <p:txBody>
+          <a:bodyPr/>
+          <a:lstStyle/>
+          <a:p>
+            <a:fld id="{3DF1C5CE-222C-4659-9A99-B99FC42AF6EC}" type="slidenum">
+              <a:rPr lang="en-US" altLang="ko-KR" noProof="0" smtClean="0"/>
+              <a:pPr/>
+              <a:t>4</a:t>
+            </a:fld>
+            <a:endParaRPr lang="ko-KR" altLang="en-US" noProof="0"/>
+          </a:p>
+        </p:txBody>
+      </p:sp>
+    </p:spTree>
+    <p:extLst>
+      <p:ext uri="{BB962C8B-B14F-4D97-AF65-F5344CB8AC3E}">
+        <p14:creationId xmlns:p14="http://schemas.microsoft.com/office/powerpoint/2010/main" val="2158726836"/>
+      </p:ext>
+    </p:extLst>
+  </p:cSld>
+  <p:clrMapOvr>
+    <a:masterClrMapping/>
+  </p:clrMapOvr>
+</p:notes>
+</file>
+
+<file path=ppt/notesSlides/notesSlide5.xml><?xml version="1.0" encoding="utf-8"?>
+<p:notes xmlns:a="http://schemas.openxmlformats.org/drawingml/2006/main" xmlns:r="http://schemas.openxmlformats.org/officeDocument/2006/relationships" xmlns:p="http://schemas.openxmlformats.org/presentationml/2006/main">
+  <p:cSld>
+    <p:spTree>
+      <p:nvGrpSpPr>
+        <p:cNvPr id="1" name=""/>
+        <p:cNvGrpSpPr/>
+        <p:nvPr/>
+      </p:nvGrpSpPr>
+      <p:grpSpPr>
+        <a:xfrm>
+          <a:off x="0" y="0"/>
+          <a:ext cx="0" cy="0"/>
+          <a:chOff x="0" y="0"/>
+          <a:chExt cx="0" cy="0"/>
+        </a:xfrm>
+      </p:grpSpPr>
+      <p:sp>
+        <p:nvSpPr>
+          <p:cNvPr id="2" name="슬라이드 이미지 개체 틀 1"/>
+          <p:cNvSpPr>
+            <a:spLocks noGrp="1" noRot="1" noChangeAspect="1"/>
+          </p:cNvSpPr>
+          <p:nvPr>
+            <p:ph type="sldImg"/>
+          </p:nvPr>
+        </p:nvSpPr>
+        <p:spPr/>
+      </p:sp>
+      <p:sp>
+        <p:nvSpPr>
+          <p:cNvPr id="3" name="슬라이드 노트 개체 틀 2"/>
+          <p:cNvSpPr>
+            <a:spLocks noGrp="1"/>
+          </p:cNvSpPr>
+          <p:nvPr>
+            <p:ph type="body" idx="1"/>
+          </p:nvPr>
+        </p:nvSpPr>
+        <p:spPr/>
+        <p:txBody>
+          <a:bodyPr/>
+          <a:lstStyle/>
+          <a:p>
+            <a:r>
+              <a:rPr lang="ko-KR" altLang="en-US" dirty="0"/>
+              <a:t>국내 거주하는 이민자들은 일상 생활 시 발생하는 소통의 문제를 가장 큰 문제로 뽑았습니다</a:t>
+            </a:r>
+            <a:r>
+              <a:rPr lang="en-US" altLang="ko-KR" dirty="0"/>
+              <a:t>.</a:t>
+            </a:r>
+          </a:p>
+          <a:p>
+            <a:r>
+              <a:rPr lang="ko-KR" altLang="en-US" dirty="0"/>
+              <a:t>이 문제를 해결하기 위하여 정부는 </a:t>
+            </a:r>
+            <a:r>
+              <a:rPr lang="en-US" altLang="ko-KR" dirty="0"/>
+              <a:t>1997</a:t>
+            </a:r>
+            <a:r>
+              <a:rPr lang="ko-KR" altLang="en-US" dirty="0"/>
+              <a:t>년 한국어능력시험을 돌입 하였으나 다양한 문제가 발생하고 시행착오 끝에 </a:t>
+            </a:r>
+            <a:r>
+              <a:rPr lang="en-US" altLang="ko-KR" dirty="0"/>
+              <a:t>2014</a:t>
+            </a:r>
+            <a:r>
+              <a:rPr lang="ko-KR" altLang="en-US" dirty="0"/>
+              <a:t>년 하반기부터는 단계별로 수준을 나누어 읽기듣기</a:t>
+            </a:r>
+            <a:r>
+              <a:rPr lang="en-US" altLang="ko-KR" dirty="0"/>
+              <a:t>, </a:t>
+            </a:r>
+            <a:r>
+              <a:rPr lang="ko-KR" altLang="en-US" dirty="0"/>
+              <a:t>읽기듣기쓰기</a:t>
+            </a:r>
+            <a:r>
+              <a:rPr lang="en-US" altLang="ko-KR" dirty="0"/>
+              <a:t> </a:t>
+            </a:r>
+            <a:r>
+              <a:rPr lang="ko-KR" altLang="en-US" dirty="0"/>
+              <a:t>등 다양한 급수로 분리를 하여 언어문제를 해결하기 위해 노력을 하고 있다</a:t>
+            </a:r>
+            <a:r>
+              <a:rPr lang="en-US" altLang="ko-KR" dirty="0"/>
+              <a:t>.</a:t>
+            </a:r>
+          </a:p>
+          <a:p>
+            <a:r>
+              <a:rPr lang="ko-KR" altLang="en-US" dirty="0"/>
+              <a:t>하지만 이 또한 다양한 문제들이 발생하여 제대로 된 순기능을 발휘하지 못하게 되었고</a:t>
+            </a:r>
+            <a:endParaRPr lang="en-US" altLang="ko-KR" dirty="0"/>
+          </a:p>
+          <a:p>
+            <a:r>
+              <a:rPr lang="ko-KR" altLang="en-US" dirty="0"/>
+              <a:t>아직까지 취업비자를 발급 받았지만 낮은 수준의 한국어를 갖고 있는 외국인들이 많이 존재하고 있다</a:t>
+            </a:r>
+            <a:r>
+              <a:rPr lang="en-US" altLang="ko-KR" dirty="0"/>
+              <a:t>.</a:t>
+            </a:r>
+          </a:p>
+        </p:txBody>
+      </p:sp>
+      <p:sp>
+        <p:nvSpPr>
+          <p:cNvPr id="4" name="슬라이드 번호 개체 틀 3"/>
+          <p:cNvSpPr>
+            <a:spLocks noGrp="1"/>
+          </p:cNvSpPr>
+          <p:nvPr>
+            <p:ph type="sldNum" sz="quarter" idx="5"/>
+          </p:nvPr>
+        </p:nvSpPr>
+        <p:spPr/>
+        <p:txBody>
+          <a:bodyPr/>
+          <a:lstStyle/>
+          <a:p>
+            <a:fld id="{3DF1C5CE-222C-4659-9A99-B99FC42AF6EC}" type="slidenum">
+              <a:rPr lang="en-US" altLang="ko-KR" noProof="0" smtClean="0"/>
+              <a:pPr/>
+              <a:t>5</a:t>
+            </a:fld>
+            <a:endParaRPr lang="ko-KR" altLang="en-US" noProof="0"/>
+          </a:p>
+        </p:txBody>
+      </p:sp>
+    </p:spTree>
+    <p:extLst>
+      <p:ext uri="{BB962C8B-B14F-4D97-AF65-F5344CB8AC3E}">
+        <p14:creationId xmlns:p14="http://schemas.microsoft.com/office/powerpoint/2010/main" val="1848878498"/>
+      </p:ext>
+    </p:extLst>
+  </p:cSld>
+  <p:clrMapOvr>
+    <a:masterClrMapping/>
+  </p:clrMapOvr>
+</p:notes>
+</file>
+
+<file path=ppt/notesSlides/notesSlide6.xml><?xml version="1.0" encoding="utf-8"?>
+<p:notes xmlns:a="http://schemas.openxmlformats.org/drawingml/2006/main" xmlns:r="http://schemas.openxmlformats.org/officeDocument/2006/relationships" xmlns:p="http://schemas.openxmlformats.org/presentationml/2006/main">
+  <p:cSld>
+    <p:spTree>
+      <p:nvGrpSpPr>
+        <p:cNvPr id="1" name=""/>
+        <p:cNvGrpSpPr/>
+        <p:nvPr/>
+      </p:nvGrpSpPr>
+      <p:grpSpPr>
+        <a:xfrm>
+          <a:off x="0" y="0"/>
+          <a:ext cx="0" cy="0"/>
+          <a:chOff x="0" y="0"/>
+          <a:chExt cx="0" cy="0"/>
+        </a:xfrm>
+      </p:grpSpPr>
+      <p:sp>
+        <p:nvSpPr>
+          <p:cNvPr id="2" name="슬라이드 이미지 개체 틀 1"/>
+          <p:cNvSpPr>
+            <a:spLocks noGrp="1" noRot="1" noChangeAspect="1"/>
+          </p:cNvSpPr>
+          <p:nvPr>
+            <p:ph type="sldImg"/>
+          </p:nvPr>
+        </p:nvSpPr>
+        <p:spPr/>
+      </p:sp>
+      <p:sp>
+        <p:nvSpPr>
+          <p:cNvPr id="3" name="슬라이드 노트 개체 틀 2"/>
+          <p:cNvSpPr>
+            <a:spLocks noGrp="1"/>
+          </p:cNvSpPr>
+          <p:nvPr>
+            <p:ph type="body" idx="1"/>
+          </p:nvPr>
+        </p:nvSpPr>
+        <p:spPr/>
+        <p:txBody>
+          <a:bodyPr/>
+          <a:lstStyle/>
+          <a:p>
+            <a:r>
+              <a:rPr lang="ko-KR" altLang="en-US" sz="1200" b="0" i="0" kern="1200" dirty="0">
+                <a:solidFill>
+                  <a:schemeClr val="tx1"/>
+                </a:solidFill>
+                <a:effectLst/>
+                <a:latin typeface="맑은 고딕" panose="020B0503020000020004" pitchFamily="50" charset="-127"/>
+                <a:ea typeface="맑은 고딕" panose="020B0503020000020004" pitchFamily="50" charset="-127"/>
+                <a:cs typeface="+mn-cs"/>
+              </a:rPr>
+              <a:t>다문화가정의 아이들이 우리사회의 건강한 구성원으로 성장해 갈 수 있도록 각별한 관심으로 통 큰 지혜를 발휘해 주기를 교육청에 기대해 본다</a:t>
+            </a:r>
+            <a:r>
+              <a:rPr lang="en-US" altLang="ko-KR" sz="1200" b="0" i="0" kern="1200" dirty="0">
+                <a:solidFill>
+                  <a:schemeClr val="tx1"/>
+                </a:solidFill>
+                <a:effectLst/>
+                <a:latin typeface="맑은 고딕" panose="020B0503020000020004" pitchFamily="50" charset="-127"/>
+                <a:ea typeface="맑은 고딕" panose="020B0503020000020004" pitchFamily="50" charset="-127"/>
+                <a:cs typeface="+mn-cs"/>
+              </a:rPr>
+              <a:t>.</a:t>
+            </a:r>
+            <a:endParaRPr lang="ko-KR" altLang="en-US" dirty="0"/>
+          </a:p>
+        </p:txBody>
+      </p:sp>
+      <p:sp>
+        <p:nvSpPr>
+          <p:cNvPr id="4" name="슬라이드 번호 개체 틀 3"/>
+          <p:cNvSpPr>
+            <a:spLocks noGrp="1"/>
+          </p:cNvSpPr>
+          <p:nvPr>
+            <p:ph type="sldNum" sz="quarter" idx="5"/>
+          </p:nvPr>
+        </p:nvSpPr>
+        <p:spPr/>
+        <p:txBody>
+          <a:bodyPr/>
+          <a:lstStyle/>
+          <a:p>
+            <a:fld id="{3DF1C5CE-222C-4659-9A99-B99FC42AF6EC}" type="slidenum">
+              <a:rPr lang="en-US" altLang="ko-KR" noProof="0" smtClean="0"/>
+              <a:pPr/>
+              <a:t>6</a:t>
+            </a:fld>
+            <a:endParaRPr lang="ko-KR" altLang="en-US" noProof="0"/>
+          </a:p>
+        </p:txBody>
+      </p:sp>
+    </p:spTree>
+    <p:extLst>
+      <p:ext uri="{BB962C8B-B14F-4D97-AF65-F5344CB8AC3E}">
+        <p14:creationId xmlns:p14="http://schemas.microsoft.com/office/powerpoint/2010/main" val="3730326042"/>
+      </p:ext>
+    </p:extLst>
+  </p:cSld>
+  <p:clrMapOvr>
+    <a:masterClrMapping/>
+  </p:clrMapOvr>
+</p:notes>
+</file>
+
+<file path=ppt/notesSlides/notesSlide7.xml><?xml version="1.0" encoding="utf-8"?>
+<p:notes xmlns:a="http://schemas.openxmlformats.org/drawingml/2006/main" xmlns:r="http://schemas.openxmlformats.org/officeDocument/2006/relationships" xmlns:p="http://schemas.openxmlformats.org/presentationml/2006/main">
+  <p:cSld>
+    <p:spTree>
+      <p:nvGrpSpPr>
+        <p:cNvPr id="1" name=""/>
+        <p:cNvGrpSpPr/>
+        <p:nvPr/>
+      </p:nvGrpSpPr>
+      <p:grpSpPr>
+        <a:xfrm>
+          <a:off x="0" y="0"/>
+          <a:ext cx="0" cy="0"/>
+          <a:chOff x="0" y="0"/>
+          <a:chExt cx="0" cy="0"/>
+        </a:xfrm>
+      </p:grpSpPr>
+      <p:sp>
+        <p:nvSpPr>
+          <p:cNvPr id="2" name="슬라이드 이미지 개체 틀 1"/>
+          <p:cNvSpPr>
+            <a:spLocks noGrp="1" noRot="1" noChangeAspect="1"/>
+          </p:cNvSpPr>
+          <p:nvPr>
+            <p:ph type="sldImg"/>
+          </p:nvPr>
+        </p:nvSpPr>
+        <p:spPr/>
+      </p:sp>
+      <p:sp>
+        <p:nvSpPr>
+          <p:cNvPr id="3" name="슬라이드 노트 개체 틀 2"/>
+          <p:cNvSpPr>
+            <a:spLocks noGrp="1"/>
+          </p:cNvSpPr>
+          <p:nvPr>
+            <p:ph type="body" idx="1"/>
+          </p:nvPr>
+        </p:nvSpPr>
+        <p:spPr/>
+        <p:txBody>
+          <a:bodyPr/>
+          <a:lstStyle/>
+          <a:p>
+            <a:endParaRPr lang="ko-KR" altLang="en-US" dirty="0"/>
+          </a:p>
+        </p:txBody>
+      </p:sp>
+      <p:sp>
+        <p:nvSpPr>
+          <p:cNvPr id="4" name="슬라이드 번호 개체 틀 3"/>
+          <p:cNvSpPr>
+            <a:spLocks noGrp="1"/>
+          </p:cNvSpPr>
+          <p:nvPr>
+            <p:ph type="sldNum" sz="quarter" idx="5"/>
+          </p:nvPr>
+        </p:nvSpPr>
+        <p:spPr/>
+        <p:txBody>
+          <a:bodyPr/>
+          <a:lstStyle/>
+          <a:p>
+            <a:fld id="{3DF1C5CE-222C-4659-9A99-B99FC42AF6EC}" type="slidenum">
+              <a:rPr lang="en-US" altLang="ko-KR" noProof="0" smtClean="0"/>
+              <a:pPr/>
+              <a:t>7</a:t>
+            </a:fld>
+            <a:endParaRPr lang="ko-KR" altLang="en-US" noProof="0"/>
+          </a:p>
+        </p:txBody>
+      </p:sp>
+    </p:spTree>
+    <p:extLst>
+      <p:ext uri="{BB962C8B-B14F-4D97-AF65-F5344CB8AC3E}">
+        <p14:creationId xmlns:p14="http://schemas.microsoft.com/office/powerpoint/2010/main" val="1613595264"/>
       </p:ext>
     </p:extLst>
   </p:cSld>
@@ -4271,7 +5077,7 @@
           <a:p>
             <a:fld id="{53A45FB0-603D-43BF-8944-3A3BD2F325BE}" type="datetime1">
               <a:rPr lang="ko-KR" altLang="en-US" noProof="0" smtClean="0"/>
-              <a:t>2019-02-06</a:t>
+              <a:t>2019-02-07</a:t>
             </a:fld>
             <a:endParaRPr lang="ko-KR" altLang="en-US" noProof="0"/>
           </a:p>
@@ -4575,7 +5381,7 @@
           <a:p>
             <a:fld id="{A0CD8F5D-A5AC-4A48-AC36-C087C371E0C7}" type="datetime1">
               <a:rPr lang="ko-KR" altLang="en-US" noProof="0" smtClean="0"/>
-              <a:t>2019-02-06</a:t>
+              <a:t>2019-02-07</a:t>
             </a:fld>
             <a:endParaRPr lang="ko-KR" altLang="en-US" noProof="0"/>
           </a:p>
@@ -4834,7 +5640,7 @@
           <a:p>
             <a:fld id="{564FD2BD-4C6A-470E-8EB5-D42C7EF5F2E2}" type="datetime1">
               <a:rPr lang="ko-KR" altLang="en-US" noProof="0" smtClean="0"/>
-              <a:t>2019-02-06</a:t>
+              <a:t>2019-02-07</a:t>
             </a:fld>
             <a:endParaRPr lang="ko-KR" altLang="en-US" noProof="0"/>
           </a:p>
@@ -5127,7 +5933,7 @@
           <a:p>
             <a:fld id="{192C8043-BFFE-40F3-B2E6-B4C9402720B6}" type="datetime1">
               <a:rPr lang="ko-KR" altLang="en-US" noProof="0" smtClean="0"/>
-              <a:t>2019-02-06</a:t>
+              <a:t>2019-02-07</a:t>
             </a:fld>
             <a:endParaRPr lang="ko-KR" altLang="en-US" noProof="0"/>
           </a:p>
@@ -5640,7 +6446,7 @@
           <a:p>
             <a:fld id="{DE8D69F2-FF86-403D-A8EF-5A108A27C9A7}" type="datetime1">
               <a:rPr lang="ko-KR" altLang="en-US" noProof="0" smtClean="0"/>
-              <a:t>2019-02-06</a:t>
+              <a:t>2019-02-07</a:t>
             </a:fld>
             <a:endParaRPr lang="ko-KR" altLang="en-US" noProof="0"/>
           </a:p>
@@ -5997,7 +6803,7 @@
           <a:p>
             <a:fld id="{B9CA8A49-4B8E-45A7-8421-872A6E977D49}" type="datetime1">
               <a:rPr lang="ko-KR" altLang="en-US" noProof="0" smtClean="0"/>
-              <a:t>2019-02-06</a:t>
+              <a:t>2019-02-07</a:t>
             </a:fld>
             <a:endParaRPr lang="ko-KR" altLang="en-US" noProof="0"/>
           </a:p>
@@ -6490,7 +7296,7 @@
           <a:p>
             <a:fld id="{7DE42AFA-E3C0-47BA-9D7B-9445667C7488}" type="datetime1">
               <a:rPr lang="ko-KR" altLang="en-US" noProof="0" smtClean="0"/>
-              <a:t>2019-02-06</a:t>
+              <a:t>2019-02-07</a:t>
             </a:fld>
             <a:endParaRPr lang="ko-KR" altLang="en-US" noProof="0"/>
           </a:p>
@@ -6658,7 +7464,7 @@
           <a:p>
             <a:fld id="{73CCC3E6-6745-42AE-98F8-F616BB3A5B99}" type="datetime1">
               <a:rPr lang="ko-KR" altLang="en-US" noProof="0" smtClean="0"/>
-              <a:t>2019-02-06</a:t>
+              <a:t>2019-02-07</a:t>
             </a:fld>
             <a:endParaRPr lang="ko-KR" altLang="en-US" noProof="0"/>
           </a:p>
@@ -6790,7 +7596,7 @@
           <a:p>
             <a:fld id="{91EEFBC4-9F93-487A-AB7F-F629DF57066B}" type="datetime1">
               <a:rPr lang="ko-KR" altLang="en-US" noProof="0" smtClean="0"/>
-              <a:t>2019-02-06</a:t>
+              <a:t>2019-02-07</a:t>
             </a:fld>
             <a:endParaRPr lang="ko-KR" altLang="en-US" noProof="0"/>
           </a:p>
@@ -7141,7 +7947,7 @@
           <a:p>
             <a:fld id="{4877E89F-4E2A-490F-9C7F-544D4CB781C6}" type="datetime1">
               <a:rPr lang="ko-KR" altLang="en-US" noProof="0" smtClean="0"/>
-              <a:t>2019-02-06</a:t>
+              <a:t>2019-02-07</a:t>
             </a:fld>
             <a:endParaRPr lang="ko-KR" altLang="en-US" noProof="0"/>
           </a:p>
@@ -7471,7 +8277,7 @@
           <a:p>
             <a:fld id="{7837EF28-918A-4CE4-B1E7-91546B49DEB5}" type="datetime1">
               <a:rPr lang="ko-KR" altLang="en-US" noProof="0" smtClean="0"/>
-              <a:t>2019-02-06</a:t>
+              <a:t>2019-02-07</a:t>
             </a:fld>
             <a:endParaRPr lang="ko-KR" altLang="en-US" noProof="0"/>
           </a:p>
@@ -7848,7 +8654,7 @@
             <a:fld id="{8F18FBD7-F59E-499B-ABBB-DEE384B67D12}" type="datetime1">
               <a:rPr lang="ko-KR" altLang="en-US" smtClean="0"/>
               <a:pPr/>
-              <a:t>2019-02-06</a:t>
+              <a:t>2019-02-07</a:t>
             </a:fld>
             <a:endParaRPr lang="ko-KR" altLang="en-US"/>
           </a:p>
@@ -8427,9 +9233,20 @@
             </a:pPr>
             <a:r>
               <a:rPr lang="ko-KR" altLang="en-US" b="1" dirty="0"/>
-              <a:t>사회적 문제 인식</a:t>
-            </a:r>
-            <a:endParaRPr lang="en-US" altLang="ko-KR" b="1" dirty="0"/>
+              <a:t>사회적 문제 인식  </a:t>
+            </a:r>
+            <a:r>
+              <a:rPr lang="en-US" altLang="ko-KR" b="1" dirty="0"/>
+              <a:t>- </a:t>
+            </a:r>
+            <a:r>
+              <a:rPr lang="ko-KR" altLang="en-US" b="1" dirty="0"/>
+              <a:t>인식 재조명을 통한 현 사회의 문제점을 지적한다</a:t>
+            </a:r>
+            <a:r>
+              <a:rPr lang="en-US" altLang="ko-KR" b="1" dirty="0"/>
+              <a:t>.</a:t>
+            </a:r>
           </a:p>
           <a:p>
             <a:pPr marL="457200" indent="-457200">
@@ -8445,9 +9262,28 @@
             </a:pPr>
             <a:r>
               <a:rPr lang="ko-KR" altLang="en-US" b="1" dirty="0"/>
-              <a:t>해결 방안</a:t>
-            </a:r>
-            <a:endParaRPr lang="en-US" altLang="ko-KR" b="1" dirty="0"/>
+              <a:t>해결 방안  </a:t>
+            </a:r>
+            <a:r>
+              <a:rPr lang="en-US" altLang="ko-KR" b="1" dirty="0"/>
+              <a:t>- </a:t>
+            </a:r>
+            <a:r>
+              <a:rPr lang="ko-KR" altLang="en-US" b="1" dirty="0"/>
+              <a:t>그 문제점을 해결하기 위해 우리가 채택한 방법을 </a:t>
+            </a:r>
+            <a:r>
+              <a:rPr lang="ko-KR" altLang="en-US" b="1" dirty="0" err="1"/>
+              <a:t>빌드업</a:t>
+            </a:r>
+            <a:r>
+              <a:rPr lang="ko-KR" altLang="en-US" b="1" dirty="0"/>
+              <a:t> 시작</a:t>
+            </a:r>
+            <a:r>
+              <a:rPr lang="en-US" altLang="ko-KR" b="1" dirty="0"/>
+              <a:t> </a:t>
+            </a:r>
           </a:p>
           <a:p>
             <a:pPr marL="457200" indent="-457200">
@@ -8463,27 +9299,95 @@
             </a:pPr>
             <a:r>
               <a:rPr lang="ko-KR" altLang="en-US" b="1" dirty="0"/>
-              <a:t>아이템 소개</a:t>
-            </a:r>
-            <a:endParaRPr lang="en-US" altLang="ko-KR" b="1" dirty="0"/>
+              <a:t>아이템 소개  </a:t>
+            </a:r>
+            <a:r>
+              <a:rPr lang="en-US" altLang="ko-KR" b="1" dirty="0"/>
+              <a:t>- </a:t>
+            </a:r>
+            <a:r>
+              <a:rPr lang="ko-KR" altLang="en-US" b="1" dirty="0"/>
+              <a:t>빌드 업 한 내용을 바탕으로 아이템을 제작한다</a:t>
+            </a:r>
+            <a:r>
+              <a:rPr lang="en-US" altLang="ko-KR" b="1" dirty="0"/>
+              <a:t>. </a:t>
+            </a:r>
+            <a:br>
+              <a:rPr lang="en-US" altLang="ko-KR" b="1" dirty="0"/>
+            </a:br>
+            <a:r>
+              <a:rPr lang="en-US" altLang="ko-KR" b="1" dirty="0"/>
+              <a:t>			</a:t>
+            </a:r>
+            <a:r>
+              <a:rPr lang="ko-KR" altLang="en-US" b="1" dirty="0"/>
+              <a:t>사회적 도움</a:t>
+            </a:r>
+            <a:r>
+              <a:rPr lang="en-US" altLang="ko-KR" b="1" dirty="0"/>
+              <a:t>, </a:t>
+            </a:r>
+            <a:r>
+              <a:rPr lang="ko-KR" altLang="en-US" b="1" dirty="0"/>
+              <a:t>효과</a:t>
+            </a:r>
+            <a:r>
+              <a:rPr lang="en-US" altLang="ko-KR" b="1" dirty="0"/>
+              <a:t>, </a:t>
+            </a:r>
+            <a:r>
+              <a:rPr lang="ko-KR" altLang="en-US" b="1" dirty="0"/>
+              <a:t>기능을 언급</a:t>
+            </a:r>
+            <a:br>
+              <a:rPr lang="en-US" altLang="ko-KR" b="1" dirty="0"/>
+            </a:br>
+            <a:r>
+              <a:rPr lang="en-US" altLang="ko-KR" b="1" dirty="0"/>
+              <a:t>			</a:t>
+            </a:r>
           </a:p>
           <a:p>
             <a:pPr marL="457200" indent="-457200">
               <a:buFont typeface="+mj-lt"/>
               <a:buAutoNum type="arabicPeriod"/>
             </a:pPr>
-            <a:endParaRPr lang="en-US" altLang="ko-KR" b="1" dirty="0"/>
-          </a:p>
-          <a:p>
-            <a:pPr marL="457200" indent="-457200">
-              <a:buFont typeface="+mj-lt"/>
-              <a:buAutoNum type="arabicPeriod"/>
-            </a:pPr>
             <a:r>
               <a:rPr lang="ko-KR" altLang="en-US" b="1" dirty="0"/>
-              <a:t>향후 목표</a:t>
-            </a:r>
-            <a:endParaRPr lang="en-US" altLang="ko-KR" b="1" dirty="0"/>
+              <a:t>향후 목표  </a:t>
+            </a:r>
+            <a:r>
+              <a:rPr lang="en-US" altLang="ko-KR" b="1" dirty="0"/>
+              <a:t>- </a:t>
+            </a:r>
+            <a:r>
+              <a:rPr lang="ko-KR" altLang="en-US" b="1" dirty="0"/>
+              <a:t>이 행동들이 불러올 사회적 효과 예상</a:t>
+            </a:r>
+            <a:r>
+              <a:rPr lang="en-US" altLang="ko-KR" b="1" dirty="0"/>
+              <a:t>, </a:t>
+            </a:r>
+            <a:r>
+              <a:rPr lang="ko-KR" altLang="en-US" b="1" dirty="0"/>
+              <a:t>향후 앞으로의 계획안</a:t>
+            </a:r>
+            <a:br>
+              <a:rPr lang="en-US" altLang="ko-KR" b="1" dirty="0"/>
+            </a:br>
+            <a:r>
+              <a:rPr lang="en-US" altLang="ko-KR" b="1" dirty="0"/>
+              <a:t>			</a:t>
+            </a:r>
+            <a:r>
+              <a:rPr lang="ko-KR" altLang="en-US" b="1" dirty="0"/>
+              <a:t>다음 프로젝트 제시</a:t>
+            </a:r>
+            <a:r>
+              <a:rPr lang="en-US" altLang="ko-KR" b="1" dirty="0"/>
+              <a:t>.</a:t>
+            </a:r>
           </a:p>
           <a:p>
             <a:pPr marL="457200" indent="-457200">
@@ -8603,7 +9507,7 @@
         </p:xfrm>
         <a:graphic>
           <a:graphicData uri="http://schemas.openxmlformats.org/drawingml/2006/chart">
-            <c:chart xmlns:c="http://schemas.openxmlformats.org/drawingml/2006/chart" xmlns:r="http://schemas.openxmlformats.org/officeDocument/2006/relationships" r:id="rId2"/>
+            <c:chart xmlns:c="http://schemas.openxmlformats.org/drawingml/2006/chart" xmlns:r="http://schemas.openxmlformats.org/officeDocument/2006/relationships" r:id="rId3"/>
           </a:graphicData>
         </a:graphic>
       </p:graphicFrame>
@@ -8673,7 +9577,7 @@
         </p:xfrm>
         <a:graphic>
           <a:graphicData uri="http://schemas.openxmlformats.org/drawingml/2006/chart">
-            <c:chart xmlns:c="http://schemas.openxmlformats.org/drawingml/2006/chart" xmlns:r="http://schemas.openxmlformats.org/officeDocument/2006/relationships" r:id="rId2"/>
+            <c:chart xmlns:c="http://schemas.openxmlformats.org/drawingml/2006/chart" xmlns:r="http://schemas.openxmlformats.org/officeDocument/2006/relationships" r:id="rId3"/>
           </a:graphicData>
         </a:graphic>
       </p:graphicFrame>
@@ -8839,21 +9743,21 @@
           <a:lstStyle/>
           <a:p>
             <a:r>
-              <a:rPr lang="ko-KR" altLang="en-US" b="1"/>
+              <a:rPr lang="ko-KR" altLang="en-US" b="1" dirty="0"/>
               <a:t>사회적 문제 인식</a:t>
             </a:r>
             <a:br>
-              <a:rPr lang="en-US" altLang="ko-KR" b="1"/>
+              <a:rPr lang="en-US" altLang="ko-KR" b="1" dirty="0"/>
             </a:br>
             <a:r>
-              <a:rPr lang="ko-KR" altLang="en-US" b="1">
+              <a:rPr lang="ko-KR" altLang="en-US" b="1" dirty="0">
                 <a:solidFill>
                   <a:schemeClr val="tx1"/>
                 </a:solidFill>
               </a:rPr>
               <a:t>국내 거주 외국인 언어문제</a:t>
             </a:r>
-            <a:endParaRPr lang="ko-KR" altLang="en-US"/>
+            <a:endParaRPr lang="ko-KR" altLang="en-US" dirty="0"/>
           </a:p>
         </p:txBody>
       </p:sp>
@@ -8884,16 +9788,62 @@
         </p:xfrm>
         <a:graphic>
           <a:graphicData uri="http://schemas.openxmlformats.org/drawingml/2006/chart">
-            <c:chart xmlns:c="http://schemas.openxmlformats.org/drawingml/2006/chart" xmlns:r="http://schemas.openxmlformats.org/officeDocument/2006/relationships" r:id="rId2"/>
+            <c:chart xmlns:c="http://schemas.openxmlformats.org/drawingml/2006/chart" xmlns:r="http://schemas.openxmlformats.org/officeDocument/2006/relationships" r:id="rId3"/>
           </a:graphicData>
         </a:graphic>
       </p:graphicFrame>
+      <p:sp>
+        <p:nvSpPr>
+          <p:cNvPr id="9" name="직사각형 8">
+            <a:extLst>
+              <a:ext uri="{FF2B5EF4-FFF2-40B4-BE49-F238E27FC236}">
+                <a16:creationId xmlns:a16="http://schemas.microsoft.com/office/drawing/2014/main" id="{9BFADA1E-71A0-47C2-A9D3-11027F1E1C04}"/>
+              </a:ext>
+            </a:extLst>
+          </p:cNvPr>
+          <p:cNvSpPr/>
+          <p:nvPr/>
+        </p:nvSpPr>
+        <p:spPr>
+          <a:xfrm>
+            <a:off x="7931743" y="2514486"/>
+            <a:ext cx="3474028" cy="646331"/>
+          </a:xfrm>
+          <a:prstGeom prst="rect">
+            <a:avLst/>
+          </a:prstGeom>
+          <a:noFill/>
+          <a:ln>
+            <a:noFill/>
+          </a:ln>
+        </p:spPr>
+        <p:txBody>
+          <a:bodyPr wrap="none">
+            <a:spAutoFit/>
+          </a:bodyPr>
+          <a:lstStyle/>
+          <a:p>
+            <a:r>
+              <a:rPr lang="en-US" altLang="ko-KR" dirty="0"/>
+              <a:t>2014</a:t>
+            </a:r>
+            <a:r>
+              <a:rPr lang="ko-KR" altLang="en-US" dirty="0"/>
+              <a:t>년도 이후 시험 난이도 상향 </a:t>
+            </a:r>
+            <a:br>
+              <a:rPr lang="en-US" altLang="ko-KR" dirty="0"/>
+            </a:br>
+            <a:endParaRPr lang="ko-KR" altLang="en-US" b="1" dirty="0"/>
+          </a:p>
+        </p:txBody>
+      </p:sp>
       <p:grpSp>
         <p:nvGrpSpPr>
-          <p:cNvPr id="12" name="그룹 11">
+          <p:cNvPr id="5" name="그룹 4">
             <a:extLst>
               <a:ext uri="{FF2B5EF4-FFF2-40B4-BE49-F238E27FC236}">
-                <a16:creationId xmlns:a16="http://schemas.microsoft.com/office/drawing/2014/main" id="{24B6777D-B1FE-4AF9-9A29-D282FD06603D}"/>
+                <a16:creationId xmlns:a16="http://schemas.microsoft.com/office/drawing/2014/main" id="{E6D44EA1-4282-45A1-8FF0-9E5C8908D9C7}"/>
               </a:ext>
             </a:extLst>
           </p:cNvPr>
@@ -8902,66 +9852,12 @@
         </p:nvGrpSpPr>
         <p:grpSpPr>
           <a:xfrm>
-            <a:off x="8256631" y="2512905"/>
-            <a:ext cx="2666114" cy="2765865"/>
-            <a:chOff x="8079518" y="2199305"/>
-            <a:chExt cx="2666114" cy="2765865"/>
+            <a:off x="7968093" y="3418541"/>
+            <a:ext cx="3243196" cy="1860229"/>
+            <a:chOff x="7968093" y="3418541"/>
+            <a:chExt cx="3243196" cy="1860229"/>
           </a:xfrm>
         </p:grpSpPr>
-        <p:sp>
-          <p:nvSpPr>
-            <p:cNvPr id="9" name="직사각형 8">
-              <a:extLst>
-                <a:ext uri="{FF2B5EF4-FFF2-40B4-BE49-F238E27FC236}">
-                  <a16:creationId xmlns:a16="http://schemas.microsoft.com/office/drawing/2014/main" id="{9BFADA1E-71A0-47C2-A9D3-11027F1E1C04}"/>
-                </a:ext>
-              </a:extLst>
-            </p:cNvPr>
-            <p:cNvSpPr/>
-            <p:nvPr/>
-          </p:nvSpPr>
-          <p:spPr>
-            <a:xfrm>
-              <a:off x="8108372" y="2199305"/>
-              <a:ext cx="2550698" cy="738664"/>
-            </a:xfrm>
-            <a:prstGeom prst="rect">
-              <a:avLst/>
-            </a:prstGeom>
-            <a:noFill/>
-            <a:ln>
-              <a:noFill/>
-            </a:ln>
-          </p:spPr>
-          <p:txBody>
-            <a:bodyPr wrap="none">
-              <a:spAutoFit/>
-            </a:bodyPr>
-            <a:lstStyle/>
-            <a:p>
-              <a:r>
-                <a:rPr lang="en-US" altLang="ko-KR" dirty="0"/>
-                <a:t>14</a:t>
-              </a:r>
-              <a:r>
-                <a:rPr lang="ko-KR" altLang="en-US" dirty="0"/>
-                <a:t>년도 이후 시험 등장 </a:t>
-              </a:r>
-              <a:br>
-                <a:rPr lang="en-US" altLang="ko-KR" dirty="0"/>
-              </a:br>
-              <a:r>
-                <a:rPr lang="ko-KR" altLang="en-US" dirty="0"/>
-                <a:t>하지만 </a:t>
-              </a:r>
-              <a:r>
-                <a:rPr lang="ko-KR" altLang="en-US" sz="2400" b="1" dirty="0"/>
-                <a:t>순기능 못함</a:t>
-              </a:r>
-              <a:endParaRPr lang="ko-KR" altLang="en-US" b="1" dirty="0"/>
-            </a:p>
-          </p:txBody>
-        </p:sp>
         <p:sp>
           <p:nvSpPr>
             <p:cNvPr id="10" name="화살표: 아래쪽 9">
@@ -8976,7 +9872,7 @@
           </p:nvSpPr>
           <p:spPr>
             <a:xfrm>
-              <a:off x="9033320" y="3104941"/>
+              <a:off x="9210433" y="3418541"/>
               <a:ext cx="643094" cy="954593"/>
             </a:xfrm>
             <a:prstGeom prst="downArrow">
@@ -9030,8 +9926,8 @@
           </p:nvSpPr>
           <p:spPr>
             <a:xfrm>
-              <a:off x="8079518" y="4226506"/>
-              <a:ext cx="2666114" cy="738664"/>
+              <a:off x="7968093" y="4540106"/>
+              <a:ext cx="3243196" cy="738664"/>
             </a:xfrm>
             <a:prstGeom prst="rect">
               <a:avLst/>
@@ -9050,7 +9946,7 @@
               <a:pPr algn="ctr"/>
               <a:r>
                 <a:rPr lang="ko-KR" altLang="en-US" dirty="0"/>
-                <a:t>비자 발급 받은 외국인의</a:t>
+                <a:t>취업비자 발급 받은 외국인의</a:t>
               </a:r>
               <a:br>
                 <a:rPr lang="en-US" altLang="ko-KR" dirty="0"/>
@@ -9060,6 +9956,156 @@
                 <a:t>한국어 수준 낮음</a:t>
               </a:r>
               <a:endParaRPr lang="ko-KR" altLang="en-US" b="1" dirty="0"/>
+            </a:p>
+          </p:txBody>
+        </p:sp>
+      </p:grpSp>
+      <p:grpSp>
+        <p:nvGrpSpPr>
+          <p:cNvPr id="28" name="그룹 27">
+            <a:extLst>
+              <a:ext uri="{FF2B5EF4-FFF2-40B4-BE49-F238E27FC236}">
+                <a16:creationId xmlns:a16="http://schemas.microsoft.com/office/drawing/2014/main" id="{D046E87D-61C2-409F-8D74-EBC2AC433A49}"/>
+              </a:ext>
+            </a:extLst>
+          </p:cNvPr>
+          <p:cNvGrpSpPr/>
+          <p:nvPr/>
+        </p:nvGrpSpPr>
+        <p:grpSpPr>
+          <a:xfrm>
+            <a:off x="2145472" y="1600200"/>
+            <a:ext cx="8769780" cy="4420795"/>
+            <a:chOff x="2145472" y="1600200"/>
+            <a:chExt cx="8769780" cy="4420795"/>
+          </a:xfrm>
+        </p:grpSpPr>
+        <p:grpSp>
+          <p:nvGrpSpPr>
+            <p:cNvPr id="29" name="그룹 28">
+              <a:extLst>
+                <a:ext uri="{FF2B5EF4-FFF2-40B4-BE49-F238E27FC236}">
+                  <a16:creationId xmlns:a16="http://schemas.microsoft.com/office/drawing/2014/main" id="{E402880C-6E62-4779-848C-49E3A895F5D1}"/>
+                </a:ext>
+              </a:extLst>
+            </p:cNvPr>
+            <p:cNvGrpSpPr/>
+            <p:nvPr/>
+          </p:nvGrpSpPr>
+          <p:grpSpPr>
+            <a:xfrm>
+              <a:off x="2145472" y="1600200"/>
+              <a:ext cx="8769780" cy="4420795"/>
+              <a:chOff x="4179381" y="1644698"/>
+              <a:chExt cx="8769780" cy="4420795"/>
+            </a:xfrm>
+          </p:grpSpPr>
+          <p:sp>
+            <p:nvSpPr>
+              <p:cNvPr id="31" name="직사각형 30">
+                <a:extLst>
+                  <a:ext uri="{FF2B5EF4-FFF2-40B4-BE49-F238E27FC236}">
+                    <a16:creationId xmlns:a16="http://schemas.microsoft.com/office/drawing/2014/main" id="{2A321913-048F-4F99-B978-7C66598A9DD7}"/>
+                  </a:ext>
+                </a:extLst>
+              </p:cNvPr>
+              <p:cNvSpPr/>
+              <p:nvPr/>
+            </p:nvSpPr>
+            <p:spPr>
+              <a:xfrm>
+                <a:off x="10398463" y="2885487"/>
+                <a:ext cx="2550698" cy="461665"/>
+              </a:xfrm>
+              <a:prstGeom prst="rect">
+                <a:avLst/>
+              </a:prstGeom>
+            </p:spPr>
+            <p:txBody>
+              <a:bodyPr wrap="none">
+                <a:spAutoFit/>
+              </a:bodyPr>
+              <a:lstStyle/>
+              <a:p>
+                <a:r>
+                  <a:rPr lang="ko-KR" altLang="en-US" dirty="0"/>
+                  <a:t>하지만 </a:t>
+                </a:r>
+                <a:r>
+                  <a:rPr lang="ko-KR" altLang="en-US" sz="2400" b="1" dirty="0"/>
+                  <a:t>순기능 못함</a:t>
+                </a:r>
+                <a:endParaRPr lang="ko-KR" altLang="en-US" dirty="0"/>
+              </a:p>
+            </p:txBody>
+          </p:sp>
+          <p:pic>
+            <p:nvPicPr>
+              <p:cNvPr id="32" name="그림 31">
+                <a:extLst>
+                  <a:ext uri="{FF2B5EF4-FFF2-40B4-BE49-F238E27FC236}">
+                    <a16:creationId xmlns:a16="http://schemas.microsoft.com/office/drawing/2014/main" id="{CB936B3C-D109-4A5F-A222-2C6BF6D6A666}"/>
+                  </a:ext>
+                </a:extLst>
+              </p:cNvPr>
+              <p:cNvPicPr>
+                <a:picLocks noChangeAspect="1"/>
+              </p:cNvPicPr>
+              <p:nvPr/>
+            </p:nvPicPr>
+            <p:blipFill>
+              <a:blip r:embed="rId4"/>
+              <a:stretch>
+                <a:fillRect/>
+              </a:stretch>
+            </p:blipFill>
+            <p:spPr>
+              <a:xfrm>
+                <a:off x="4179381" y="1644698"/>
+                <a:ext cx="4246606" cy="4420795"/>
+              </a:xfrm>
+              <a:prstGeom prst="rect">
+                <a:avLst/>
+              </a:prstGeom>
+            </p:spPr>
+          </p:pic>
+        </p:grpSp>
+        <p:sp>
+          <p:nvSpPr>
+            <p:cNvPr id="30" name="TextBox 29">
+              <a:extLst>
+                <a:ext uri="{FF2B5EF4-FFF2-40B4-BE49-F238E27FC236}">
+                  <a16:creationId xmlns:a16="http://schemas.microsoft.com/office/drawing/2014/main" id="{6624E657-2CEC-4A09-A792-8D27385681DC}"/>
+                </a:ext>
+              </a:extLst>
+            </p:cNvPr>
+            <p:cNvSpPr txBox="1"/>
+            <p:nvPr/>
+          </p:nvSpPr>
+          <p:spPr>
+            <a:xfrm>
+              <a:off x="2416345" y="4540106"/>
+              <a:ext cx="3935693" cy="369332"/>
+            </a:xfrm>
+            <a:prstGeom prst="rect">
+              <a:avLst/>
+            </a:prstGeom>
+            <a:noFill/>
+          </p:spPr>
+          <p:txBody>
+            <a:bodyPr wrap="none" rtlCol="0">
+              <a:spAutoFit/>
+            </a:bodyPr>
+            <a:lstStyle/>
+            <a:p>
+              <a:r>
+                <a:rPr lang="ko-KR" altLang="en-US" b="1" dirty="0">
+                  <a:solidFill>
+                    <a:schemeClr val="bg1"/>
+                  </a:solidFill>
+                </a:rPr>
+                <a:t>애매한 교육서적 및 가짜 시험지 등장</a:t>
+              </a:r>
             </a:p>
           </p:txBody>
         </p:sp>
@@ -9086,10 +10132,369 @@
       </p:transition>
     </mc:Fallback>
   </mc:AlternateContent>
+  <p:timing>
+    <p:tnLst>
+      <p:par>
+        <p:cTn id="1" dur="indefinite" restart="never" nodeType="tmRoot">
+          <p:childTnLst>
+            <p:seq concurrent="1" nextAc="seek">
+              <p:cTn id="2" dur="indefinite" nodeType="mainSeq">
+                <p:childTnLst>
+                  <p:par>
+                    <p:cTn id="3" fill="hold">
+                      <p:stCondLst>
+                        <p:cond delay="indefinite"/>
+                      </p:stCondLst>
+                      <p:childTnLst>
+                        <p:par>
+                          <p:cTn id="4" fill="hold">
+                            <p:stCondLst>
+                              <p:cond delay="0"/>
+                            </p:stCondLst>
+                            <p:childTnLst>
+                              <p:par>
+                                <p:cTn id="5" presetID="10" presetClass="entr" presetSubtype="0" fill="hold" grpId="0" nodeType="clickEffect">
+                                  <p:stCondLst>
+                                    <p:cond delay="0"/>
+                                  </p:stCondLst>
+                                  <p:childTnLst>
+                                    <p:set>
+                                      <p:cBhvr>
+                                        <p:cTn id="6" dur="1" fill="hold">
+                                          <p:stCondLst>
+                                            <p:cond delay="0"/>
+                                          </p:stCondLst>
+                                        </p:cTn>
+                                        <p:tgtEl>
+                                          <p:spTgt spid="9"/>
+                                        </p:tgtEl>
+                                        <p:attrNameLst>
+                                          <p:attrName>style.visibility</p:attrName>
+                                        </p:attrNameLst>
+                                      </p:cBhvr>
+                                      <p:to>
+                                        <p:strVal val="visible"/>
+                                      </p:to>
+                                    </p:set>
+                                    <p:animEffect transition="in" filter="fade">
+                                      <p:cBhvr>
+                                        <p:cTn id="7" dur="500"/>
+                                        <p:tgtEl>
+                                          <p:spTgt spid="9"/>
+                                        </p:tgtEl>
+                                      </p:cBhvr>
+                                    </p:animEffect>
+                                  </p:childTnLst>
+                                </p:cTn>
+                              </p:par>
+                            </p:childTnLst>
+                          </p:cTn>
+                        </p:par>
+                      </p:childTnLst>
+                    </p:cTn>
+                  </p:par>
+                  <p:par>
+                    <p:cTn id="8" fill="hold">
+                      <p:stCondLst>
+                        <p:cond delay="indefinite"/>
+                      </p:stCondLst>
+                      <p:childTnLst>
+                        <p:par>
+                          <p:cTn id="9" fill="hold">
+                            <p:stCondLst>
+                              <p:cond delay="0"/>
+                            </p:stCondLst>
+                            <p:childTnLst>
+                              <p:par>
+                                <p:cTn id="10" presetID="10" presetClass="entr" presetSubtype="0" fill="hold" nodeType="clickEffect">
+                                  <p:stCondLst>
+                                    <p:cond delay="0"/>
+                                  </p:stCondLst>
+                                  <p:childTnLst>
+                                    <p:set>
+                                      <p:cBhvr>
+                                        <p:cTn id="11" dur="1" fill="hold">
+                                          <p:stCondLst>
+                                            <p:cond delay="0"/>
+                                          </p:stCondLst>
+                                        </p:cTn>
+                                        <p:tgtEl>
+                                          <p:spTgt spid="28"/>
+                                        </p:tgtEl>
+                                        <p:attrNameLst>
+                                          <p:attrName>style.visibility</p:attrName>
+                                        </p:attrNameLst>
+                                      </p:cBhvr>
+                                      <p:to>
+                                        <p:strVal val="visible"/>
+                                      </p:to>
+                                    </p:set>
+                                    <p:animEffect transition="in" filter="fade">
+                                      <p:cBhvr>
+                                        <p:cTn id="12" dur="500"/>
+                                        <p:tgtEl>
+                                          <p:spTgt spid="28"/>
+                                        </p:tgtEl>
+                                      </p:cBhvr>
+                                    </p:animEffect>
+                                  </p:childTnLst>
+                                </p:cTn>
+                              </p:par>
+                            </p:childTnLst>
+                          </p:cTn>
+                        </p:par>
+                      </p:childTnLst>
+                    </p:cTn>
+                  </p:par>
+                  <p:par>
+                    <p:cTn id="13" fill="hold">
+                      <p:stCondLst>
+                        <p:cond delay="indefinite"/>
+                      </p:stCondLst>
+                      <p:childTnLst>
+                        <p:par>
+                          <p:cTn id="14" fill="hold">
+                            <p:stCondLst>
+                              <p:cond delay="0"/>
+                            </p:stCondLst>
+                            <p:childTnLst>
+                              <p:par>
+                                <p:cTn id="15" presetID="10" presetClass="entr" presetSubtype="0" fill="hold" nodeType="clickEffect">
+                                  <p:stCondLst>
+                                    <p:cond delay="0"/>
+                                  </p:stCondLst>
+                                  <p:childTnLst>
+                                    <p:set>
+                                      <p:cBhvr>
+                                        <p:cTn id="16" dur="1" fill="hold">
+                                          <p:stCondLst>
+                                            <p:cond delay="0"/>
+                                          </p:stCondLst>
+                                        </p:cTn>
+                                        <p:tgtEl>
+                                          <p:spTgt spid="5"/>
+                                        </p:tgtEl>
+                                        <p:attrNameLst>
+                                          <p:attrName>style.visibility</p:attrName>
+                                        </p:attrNameLst>
+                                      </p:cBhvr>
+                                      <p:to>
+                                        <p:strVal val="visible"/>
+                                      </p:to>
+                                    </p:set>
+                                    <p:animEffect transition="in" filter="fade">
+                                      <p:cBhvr>
+                                        <p:cTn id="17" dur="500"/>
+                                        <p:tgtEl>
+                                          <p:spTgt spid="5"/>
+                                        </p:tgtEl>
+                                      </p:cBhvr>
+                                    </p:animEffect>
+                                  </p:childTnLst>
+                                </p:cTn>
+                              </p:par>
+                            </p:childTnLst>
+                          </p:cTn>
+                        </p:par>
+                      </p:childTnLst>
+                    </p:cTn>
+                  </p:par>
+                </p:childTnLst>
+              </p:cTn>
+              <p:prevCondLst>
+                <p:cond evt="onPrev" delay="0">
+                  <p:tgtEl>
+                    <p:sldTgt/>
+                  </p:tgtEl>
+                </p:cond>
+              </p:prevCondLst>
+              <p:nextCondLst>
+                <p:cond evt="onNext" delay="0">
+                  <p:tgtEl>
+                    <p:sldTgt/>
+                  </p:tgtEl>
+                </p:cond>
+              </p:nextCondLst>
+            </p:seq>
+          </p:childTnLst>
+        </p:cTn>
+      </p:par>
+    </p:tnLst>
+    <p:bldLst>
+      <p:bldP spid="9" grpId="0"/>
+    </p:bldLst>
+  </p:timing>
 </p:sld>
 </file>
 
 <file path=ppt/slides/slide6.xml><?xml version="1.0" encoding="utf-8"?>
+<p:sld xmlns:a="http://schemas.openxmlformats.org/drawingml/2006/main" xmlns:r="http://schemas.openxmlformats.org/officeDocument/2006/relationships" xmlns:p="http://schemas.openxmlformats.org/presentationml/2006/main">
+  <p:cSld>
+    <p:spTree>
+      <p:nvGrpSpPr>
+        <p:cNvPr id="1" name=""/>
+        <p:cNvGrpSpPr/>
+        <p:nvPr/>
+      </p:nvGrpSpPr>
+      <p:grpSpPr>
+        <a:xfrm>
+          <a:off x="0" y="0"/>
+          <a:ext cx="0" cy="0"/>
+          <a:chOff x="0" y="0"/>
+          <a:chExt cx="0" cy="0"/>
+        </a:xfrm>
+      </p:grpSpPr>
+      <p:sp>
+        <p:nvSpPr>
+          <p:cNvPr id="2" name="제목 1">
+            <a:extLst>
+              <a:ext uri="{FF2B5EF4-FFF2-40B4-BE49-F238E27FC236}">
+                <a16:creationId xmlns:a16="http://schemas.microsoft.com/office/drawing/2014/main" id="{6DD28D30-1B2F-40C0-ACC2-6D7C5D85BF13}"/>
+              </a:ext>
+            </a:extLst>
+          </p:cNvPr>
+          <p:cNvSpPr>
+            <a:spLocks noGrp="1"/>
+          </p:cNvSpPr>
+          <p:nvPr>
+            <p:ph type="title"/>
+          </p:nvPr>
+        </p:nvSpPr>
+        <p:spPr/>
+        <p:txBody>
+          <a:bodyPr/>
+          <a:lstStyle/>
+          <a:p>
+            <a:r>
+              <a:rPr lang="ko-KR" altLang="en-US" b="1" dirty="0"/>
+              <a:t>사회적 문제 인식</a:t>
+            </a:r>
+            <a:br>
+              <a:rPr lang="en-US" altLang="ko-KR" b="1" dirty="0"/>
+            </a:br>
+            <a:r>
+              <a:rPr lang="ko-KR" altLang="en-US" b="1" dirty="0">
+                <a:solidFill>
+                  <a:schemeClr val="tx1"/>
+                </a:solidFill>
+              </a:rPr>
+              <a:t>소셜 미션</a:t>
+            </a:r>
+            <a:endParaRPr lang="ko-KR" altLang="en-US" dirty="0"/>
+          </a:p>
+        </p:txBody>
+      </p:sp>
+      <p:pic>
+        <p:nvPicPr>
+          <p:cNvPr id="8" name="내용 개체 틀 4" descr="텍스트, 지도이(가) 표시된 사진&#10;&#10;자동 생성된 설명">
+            <a:extLst>
+              <a:ext uri="{FF2B5EF4-FFF2-40B4-BE49-F238E27FC236}">
+                <a16:creationId xmlns:a16="http://schemas.microsoft.com/office/drawing/2014/main" id="{586E02FC-07BF-412F-95AB-2B2565298572}"/>
+              </a:ext>
+            </a:extLst>
+          </p:cNvPr>
+          <p:cNvPicPr>
+            <a:picLocks noGrp="1" noChangeAspect="1"/>
+          </p:cNvPicPr>
+          <p:nvPr>
+            <p:ph idx="1"/>
+          </p:nvPr>
+        </p:nvPicPr>
+        <p:blipFill>
+          <a:blip r:embed="rId3">
+            <a:extLst>
+              <a:ext uri="{837473B0-CC2E-450A-ABE3-18F120FF3D39}">
+                <a1611:picAttrSrcUrl xmlns:a1611="http://schemas.microsoft.com/office/drawing/2016/11/main" r:id="rId4"/>
+              </a:ext>
+            </a:extLst>
+          </a:blip>
+          <a:stretch>
+            <a:fillRect/>
+          </a:stretch>
+        </p:blipFill>
+        <p:spPr>
+          <a:xfrm>
+            <a:off x="2748081" y="1600200"/>
+            <a:ext cx="6695838" cy="3904189"/>
+          </a:xfrm>
+        </p:spPr>
+      </p:pic>
+      <p:sp>
+        <p:nvSpPr>
+          <p:cNvPr id="9" name="TextBox 8">
+            <a:extLst>
+              <a:ext uri="{FF2B5EF4-FFF2-40B4-BE49-F238E27FC236}">
+                <a16:creationId xmlns:a16="http://schemas.microsoft.com/office/drawing/2014/main" id="{0F569110-80FC-442B-A241-69FD9DF0E679}"/>
+              </a:ext>
+            </a:extLst>
+          </p:cNvPr>
+          <p:cNvSpPr txBox="1"/>
+          <p:nvPr/>
+        </p:nvSpPr>
+        <p:spPr>
+          <a:xfrm>
+            <a:off x="2748081" y="5711724"/>
+            <a:ext cx="6695838" cy="707886"/>
+          </a:xfrm>
+          <a:prstGeom prst="rect">
+            <a:avLst/>
+          </a:prstGeom>
+          <a:noFill/>
+        </p:spPr>
+        <p:txBody>
+          <a:bodyPr wrap="square" rtlCol="0">
+            <a:spAutoFit/>
+          </a:bodyPr>
+          <a:lstStyle/>
+          <a:p>
+            <a:r>
+              <a:rPr lang="en-US" altLang="ko-KR" sz="2000" b="1" dirty="0"/>
+              <a:t>- </a:t>
+            </a:r>
+            <a:r>
+              <a:rPr lang="ko-KR" altLang="en-US" sz="2000" b="1" dirty="0"/>
+              <a:t>다문화 가정의 소통으로 인한 사회 활동 문제 해결 </a:t>
+            </a:r>
+            <a:endParaRPr lang="en-US" altLang="ko-KR" sz="2000" b="1" dirty="0"/>
+          </a:p>
+          <a:p>
+            <a:r>
+              <a:rPr lang="en-US" altLang="ko-KR" sz="2000" b="1" dirty="0"/>
+              <a:t>- </a:t>
+            </a:r>
+            <a:r>
+              <a:rPr lang="ko-KR" altLang="en-US" sz="2000" b="1" dirty="0"/>
+              <a:t>한국에서의 삶의 질 향상 </a:t>
+            </a:r>
+          </a:p>
+        </p:txBody>
+      </p:sp>
+    </p:spTree>
+    <p:extLst>
+      <p:ext uri="{BB962C8B-B14F-4D97-AF65-F5344CB8AC3E}">
+        <p14:creationId xmlns:p14="http://schemas.microsoft.com/office/powerpoint/2010/main" val="2795370167"/>
+      </p:ext>
+    </p:extLst>
+  </p:cSld>
+  <p:clrMapOvr>
+    <a:masterClrMapping/>
+  </p:clrMapOvr>
+  <mc:AlternateContent xmlns:mc="http://schemas.openxmlformats.org/markup-compatibility/2006" xmlns:p14="http://schemas.microsoft.com/office/powerpoint/2010/main">
+    <mc:Choice Requires="p14">
+      <p:transition spd="med" p14:dur="700">
+        <p:fade/>
+      </p:transition>
+    </mc:Choice>
+    <mc:Fallback xmlns="">
+      <p:transition spd="med">
+        <p:fade/>
+      </p:transition>
+    </mc:Fallback>
+  </mc:AlternateContent>
+</p:sld>
+</file>
+
+<file path=ppt/slides/slide7.xml><?xml version="1.0" encoding="utf-8"?>
 <p:sld xmlns:a="http://schemas.openxmlformats.org/drawingml/2006/main" xmlns:r="http://schemas.openxmlformats.org/officeDocument/2006/relationships" xmlns:p="http://schemas.openxmlformats.org/presentationml/2006/main">
   <p:cSld>
     <p:spTree>
@@ -9134,6 +10539,30 @@
             <a:br>
               <a:rPr lang="en-US" altLang="ko-KR" b="1" dirty="0"/>
             </a:br>
+            <a:r>
+              <a:rPr lang="ko-KR" altLang="en-US" sz="2800" b="1" dirty="0">
+                <a:solidFill>
+                  <a:schemeClr val="tx1"/>
+                </a:solidFill>
+              </a:rPr>
+              <a:t>그 문제점을 해결하기 위해 우리가 채택한 방법을 </a:t>
+            </a:r>
+            <a:r>
+              <a:rPr lang="ko-KR" altLang="en-US" sz="2800" b="1" dirty="0" err="1">
+                <a:solidFill>
+                  <a:schemeClr val="tx1"/>
+                </a:solidFill>
+              </a:rPr>
+              <a:t>빌드업</a:t>
+            </a:r>
+            <a:r>
+              <a:rPr lang="ko-KR" altLang="en-US" sz="2800" b="1" dirty="0">
+                <a:solidFill>
+                  <a:schemeClr val="tx1"/>
+                </a:solidFill>
+              </a:rPr>
+              <a:t> 시작</a:t>
+            </a:r>
             <a:endParaRPr lang="ko-KR" altLang="en-US" b="1" dirty="0">
               <a:solidFill>
                 <a:schemeClr val="tx1"/>
@@ -9142,31 +10571,38 @@
           </a:p>
         </p:txBody>
       </p:sp>
-      <p:sp>
-        <p:nvSpPr>
-          <p:cNvPr id="3" name="내용 개체 틀 2">
+      <p:pic>
+        <p:nvPicPr>
+          <p:cNvPr id="21" name="내용 개체 틀 20">
             <a:extLst>
               <a:ext uri="{FF2B5EF4-FFF2-40B4-BE49-F238E27FC236}">
-                <a16:creationId xmlns:a16="http://schemas.microsoft.com/office/drawing/2014/main" id="{E7DBEBDC-34DA-42E7-BBAE-8B75246FE735}"/>
+                <a16:creationId xmlns:a16="http://schemas.microsoft.com/office/drawing/2014/main" id="{C51A9A2C-8340-465B-8512-383C0FB26D3F}"/>
               </a:ext>
             </a:extLst>
           </p:cNvPr>
-          <p:cNvSpPr>
-            <a:spLocks noGrp="1"/>
-          </p:cNvSpPr>
+          <p:cNvPicPr>
+            <a:picLocks noGrp="1" noChangeAspect="1"/>
+          </p:cNvPicPr>
           <p:nvPr>
             <p:ph idx="1"/>
           </p:nvPr>
-        </p:nvSpPr>
-        <p:spPr/>
-        <p:txBody>
-          <a:bodyPr/>
-          <a:lstStyle/>
-          <a:p>
-            <a:endParaRPr lang="ko-KR" altLang="en-US"/>
-          </a:p>
-        </p:txBody>
-      </p:sp>
+        </p:nvPicPr>
+        <p:blipFill>
+          <a:blip r:embed="rId3"/>
+          <a:stretch>
+            <a:fillRect/>
+          </a:stretch>
+        </p:blipFill>
+        <p:spPr>
+          <a:xfrm>
+            <a:off x="2156430" y="1795409"/>
+            <a:ext cx="7879139" cy="4525963"/>
+          </a:xfrm>
+          <a:prstGeom prst="rect">
+            <a:avLst/>
+          </a:prstGeom>
+        </p:spPr>
+      </p:pic>
     </p:spTree>
     <p:extLst>
       <p:ext uri="{BB962C8B-B14F-4D97-AF65-F5344CB8AC3E}">
@@ -9189,6 +10625,645 @@
       </p:transition>
     </mc:Fallback>
   </mc:AlternateContent>
+</p:sld>
+</file>
+
+<file path=ppt/slides/slide8.xml><?xml version="1.0" encoding="utf-8"?>
+<p:sld xmlns:a="http://schemas.openxmlformats.org/drawingml/2006/main" xmlns:r="http://schemas.openxmlformats.org/officeDocument/2006/relationships" xmlns:p="http://schemas.openxmlformats.org/presentationml/2006/main">
+  <p:cSld>
+    <p:spTree>
+      <p:nvGrpSpPr>
+        <p:cNvPr id="1" name=""/>
+        <p:cNvGrpSpPr/>
+        <p:nvPr/>
+      </p:nvGrpSpPr>
+      <p:grpSpPr>
+        <a:xfrm>
+          <a:off x="0" y="0"/>
+          <a:ext cx="0" cy="0"/>
+          <a:chOff x="0" y="0"/>
+          <a:chExt cx="0" cy="0"/>
+        </a:xfrm>
+      </p:grpSpPr>
+      <p:sp>
+        <p:nvSpPr>
+          <p:cNvPr id="2" name="제목 1">
+            <a:extLst>
+              <a:ext uri="{FF2B5EF4-FFF2-40B4-BE49-F238E27FC236}">
+                <a16:creationId xmlns:a16="http://schemas.microsoft.com/office/drawing/2014/main" id="{46F7B4B8-920B-4E8D-8FDC-63017176AC89}"/>
+              </a:ext>
+            </a:extLst>
+          </p:cNvPr>
+          <p:cNvSpPr>
+            <a:spLocks noGrp="1"/>
+          </p:cNvSpPr>
+          <p:nvPr>
+            <p:ph type="title"/>
+          </p:nvPr>
+        </p:nvSpPr>
+        <p:spPr/>
+        <p:txBody>
+          <a:bodyPr/>
+          <a:lstStyle/>
+          <a:p>
+            <a:r>
+              <a:rPr lang="ko-KR" altLang="en-US" b="1" dirty="0"/>
+              <a:t>아이템 소개</a:t>
+            </a:r>
+            <a:br>
+              <a:rPr lang="en-US" altLang="ko-KR" b="1" dirty="0"/>
+            </a:br>
+            <a:r>
+              <a:rPr lang="ko-KR" altLang="en-US" b="1" dirty="0">
+                <a:solidFill>
+                  <a:schemeClr val="tx1"/>
+                </a:solidFill>
+              </a:rPr>
+              <a:t>한글교육 어플</a:t>
+            </a:r>
+            <a:endParaRPr lang="ko-KR" altLang="en-US" dirty="0"/>
+          </a:p>
+        </p:txBody>
+      </p:sp>
+      <p:pic>
+        <p:nvPicPr>
+          <p:cNvPr id="5" name="내용 개체 틀 4">
+            <a:extLst>
+              <a:ext uri="{FF2B5EF4-FFF2-40B4-BE49-F238E27FC236}">
+                <a16:creationId xmlns:a16="http://schemas.microsoft.com/office/drawing/2014/main" id="{6504058E-2C04-4547-8F01-4691E4337782}"/>
+              </a:ext>
+            </a:extLst>
+          </p:cNvPr>
+          <p:cNvPicPr>
+            <a:picLocks noGrp="1" noChangeAspect="1"/>
+          </p:cNvPicPr>
+          <p:nvPr>
+            <p:ph idx="1"/>
+          </p:nvPr>
+        </p:nvPicPr>
+        <p:blipFill>
+          <a:blip r:embed="rId2"/>
+          <a:stretch>
+            <a:fillRect/>
+          </a:stretch>
+        </p:blipFill>
+        <p:spPr>
+          <a:xfrm>
+            <a:off x="2108470" y="1880359"/>
+            <a:ext cx="7975060" cy="4242053"/>
+          </a:xfrm>
+          <a:prstGeom prst="rect">
+            <a:avLst/>
+          </a:prstGeom>
+        </p:spPr>
+      </p:pic>
+      <p:grpSp>
+        <p:nvGrpSpPr>
+          <p:cNvPr id="19" name="그룹 18">
+            <a:extLst>
+              <a:ext uri="{FF2B5EF4-FFF2-40B4-BE49-F238E27FC236}">
+                <a16:creationId xmlns:a16="http://schemas.microsoft.com/office/drawing/2014/main" id="{FCA46A09-B4FA-4770-8B0E-A4A0EF14A893}"/>
+              </a:ext>
+            </a:extLst>
+          </p:cNvPr>
+          <p:cNvGrpSpPr/>
+          <p:nvPr/>
+        </p:nvGrpSpPr>
+        <p:grpSpPr>
+          <a:xfrm>
+            <a:off x="1367242" y="533400"/>
+            <a:ext cx="4641209" cy="3853774"/>
+            <a:chOff x="1367242" y="533400"/>
+            <a:chExt cx="4641209" cy="3853774"/>
+          </a:xfrm>
+        </p:grpSpPr>
+        <p:sp>
+          <p:nvSpPr>
+            <p:cNvPr id="16" name="타원 15">
+              <a:extLst>
+                <a:ext uri="{FF2B5EF4-FFF2-40B4-BE49-F238E27FC236}">
+                  <a16:creationId xmlns:a16="http://schemas.microsoft.com/office/drawing/2014/main" id="{B37BCFA8-3E01-4E7F-AD83-AD941177E7A8}"/>
+                </a:ext>
+              </a:extLst>
+            </p:cNvPr>
+            <p:cNvSpPr/>
+            <p:nvPr/>
+          </p:nvSpPr>
+          <p:spPr>
+            <a:xfrm>
+              <a:off x="3356042" y="1600200"/>
+              <a:ext cx="2652409" cy="2786974"/>
+            </a:xfrm>
+            <a:prstGeom prst="ellipse">
+              <a:avLst/>
+            </a:prstGeom>
+            <a:solidFill>
+              <a:srgbClr val="F1B851">
+                <a:alpha val="27000"/>
+              </a:srgbClr>
+            </a:solidFill>
+            <a:ln w="25400" cap="flat" cmpd="sng" algn="ctr">
+              <a:solidFill>
+                <a:schemeClr val="accent4">
+                  <a:lumMod val="20000"/>
+                  <a:lumOff val="80000"/>
+                </a:schemeClr>
+              </a:solidFill>
+              <a:prstDash val="solid"/>
+              <a:round/>
+              <a:headEnd type="none" w="med" len="med"/>
+              <a:tailEnd type="none" w="med" len="med"/>
+            </a:ln>
+          </p:spPr>
+          <p:style>
+            <a:lnRef idx="0">
+              <a:scrgbClr r="0" g="0" b="0"/>
+            </a:lnRef>
+            <a:fillRef idx="0">
+              <a:scrgbClr r="0" g="0" b="0"/>
+            </a:fillRef>
+            <a:effectRef idx="0">
+              <a:scrgbClr r="0" g="0" b="0"/>
+            </a:effectRef>
+            <a:fontRef idx="minor">
+              <a:schemeClr val="dk1"/>
+            </a:fontRef>
+          </p:style>
+          <p:txBody>
+            <a:bodyPr rtlCol="0" anchor="ctr"/>
+            <a:lstStyle/>
+            <a:p>
+              <a:pPr algn="ctr"/>
+              <a:endParaRPr lang="ko-KR" altLang="en-US" dirty="0" err="1"/>
+            </a:p>
+          </p:txBody>
+        </p:sp>
+        <p:pic>
+          <p:nvPicPr>
+            <p:cNvPr id="13" name="그림 12">
+              <a:extLst>
+                <a:ext uri="{FF2B5EF4-FFF2-40B4-BE49-F238E27FC236}">
+                  <a16:creationId xmlns:a16="http://schemas.microsoft.com/office/drawing/2014/main" id="{CB166397-8021-483A-B806-FB45055B3B69}"/>
+                </a:ext>
+              </a:extLst>
+            </p:cNvPr>
+            <p:cNvPicPr>
+              <a:picLocks noChangeAspect="1"/>
+            </p:cNvPicPr>
+            <p:nvPr/>
+          </p:nvPicPr>
+          <p:blipFill>
+            <a:blip r:embed="rId3"/>
+            <a:stretch>
+              <a:fillRect/>
+            </a:stretch>
+          </p:blipFill>
+          <p:spPr>
+            <a:xfrm>
+              <a:off x="1367242" y="533400"/>
+              <a:ext cx="2181225" cy="2895600"/>
+            </a:xfrm>
+            <a:prstGeom prst="rect">
+              <a:avLst/>
+            </a:prstGeom>
+          </p:spPr>
+        </p:pic>
+      </p:grpSp>
+      <p:grpSp>
+        <p:nvGrpSpPr>
+          <p:cNvPr id="21" name="그룹 20">
+            <a:extLst>
+              <a:ext uri="{FF2B5EF4-FFF2-40B4-BE49-F238E27FC236}">
+                <a16:creationId xmlns:a16="http://schemas.microsoft.com/office/drawing/2014/main" id="{EB97153F-A004-4F03-B854-643B921AE865}"/>
+              </a:ext>
+            </a:extLst>
+          </p:cNvPr>
+          <p:cNvGrpSpPr/>
+          <p:nvPr/>
+        </p:nvGrpSpPr>
+        <p:grpSpPr>
+          <a:xfrm>
+            <a:off x="6523612" y="2465060"/>
+            <a:ext cx="4660055" cy="3838463"/>
+            <a:chOff x="6523612" y="2465060"/>
+            <a:chExt cx="4660055" cy="3838463"/>
+          </a:xfrm>
+        </p:grpSpPr>
+        <p:sp>
+          <p:nvSpPr>
+            <p:cNvPr id="17" name="타원 16">
+              <a:extLst>
+                <a:ext uri="{FF2B5EF4-FFF2-40B4-BE49-F238E27FC236}">
+                  <a16:creationId xmlns:a16="http://schemas.microsoft.com/office/drawing/2014/main" id="{681FF07B-2AD5-4BB7-A6C7-891DA9845881}"/>
+                </a:ext>
+              </a:extLst>
+            </p:cNvPr>
+            <p:cNvSpPr/>
+            <p:nvPr/>
+          </p:nvSpPr>
+          <p:spPr>
+            <a:xfrm>
+              <a:off x="6523612" y="3516549"/>
+              <a:ext cx="2652409" cy="2786974"/>
+            </a:xfrm>
+            <a:prstGeom prst="ellipse">
+              <a:avLst/>
+            </a:prstGeom>
+            <a:solidFill>
+              <a:srgbClr val="F1B851">
+                <a:alpha val="27000"/>
+              </a:srgbClr>
+            </a:solidFill>
+            <a:ln w="25400" cap="flat" cmpd="sng" algn="ctr">
+              <a:solidFill>
+                <a:schemeClr val="accent4">
+                  <a:lumMod val="20000"/>
+                  <a:lumOff val="80000"/>
+                </a:schemeClr>
+              </a:solidFill>
+              <a:prstDash val="solid"/>
+              <a:round/>
+              <a:headEnd type="none" w="med" len="med"/>
+              <a:tailEnd type="none" w="med" len="med"/>
+            </a:ln>
+          </p:spPr>
+          <p:style>
+            <a:lnRef idx="0">
+              <a:scrgbClr r="0" g="0" b="0"/>
+            </a:lnRef>
+            <a:fillRef idx="0">
+              <a:scrgbClr r="0" g="0" b="0"/>
+            </a:fillRef>
+            <a:effectRef idx="0">
+              <a:scrgbClr r="0" g="0" b="0"/>
+            </a:effectRef>
+            <a:fontRef idx="minor">
+              <a:schemeClr val="dk1"/>
+            </a:fontRef>
+          </p:style>
+          <p:txBody>
+            <a:bodyPr rtlCol="0" anchor="ctr"/>
+            <a:lstStyle/>
+            <a:p>
+              <a:pPr algn="ctr"/>
+              <a:endParaRPr lang="ko-KR" altLang="en-US" dirty="0" err="1"/>
+            </a:p>
+          </p:txBody>
+        </p:sp>
+        <p:pic>
+          <p:nvPicPr>
+            <p:cNvPr id="14" name="그림 13">
+              <a:extLst>
+                <a:ext uri="{FF2B5EF4-FFF2-40B4-BE49-F238E27FC236}">
+                  <a16:creationId xmlns:a16="http://schemas.microsoft.com/office/drawing/2014/main" id="{C0007D5D-9A0F-4D59-A229-9DA0C14C77CC}"/>
+                </a:ext>
+              </a:extLst>
+            </p:cNvPr>
+            <p:cNvPicPr>
+              <a:picLocks noChangeAspect="1"/>
+            </p:cNvPicPr>
+            <p:nvPr/>
+          </p:nvPicPr>
+          <p:blipFill>
+            <a:blip r:embed="rId4"/>
+            <a:stretch>
+              <a:fillRect/>
+            </a:stretch>
+          </p:blipFill>
+          <p:spPr>
+            <a:xfrm>
+              <a:off x="8983392" y="2465060"/>
+              <a:ext cx="2200275" cy="2876550"/>
+            </a:xfrm>
+            <a:prstGeom prst="rect">
+              <a:avLst/>
+            </a:prstGeom>
+          </p:spPr>
+        </p:pic>
+      </p:grpSp>
+      <p:grpSp>
+        <p:nvGrpSpPr>
+          <p:cNvPr id="20" name="그룹 19">
+            <a:extLst>
+              <a:ext uri="{FF2B5EF4-FFF2-40B4-BE49-F238E27FC236}">
+                <a16:creationId xmlns:a16="http://schemas.microsoft.com/office/drawing/2014/main" id="{C71A5F58-060B-4E99-AD4A-6C63F5B75649}"/>
+              </a:ext>
+            </a:extLst>
+          </p:cNvPr>
+          <p:cNvGrpSpPr/>
+          <p:nvPr/>
+        </p:nvGrpSpPr>
+        <p:grpSpPr>
+          <a:xfrm>
+            <a:off x="1261505" y="3857360"/>
+            <a:ext cx="4746946" cy="2979637"/>
+            <a:chOff x="1261505" y="3857360"/>
+            <a:chExt cx="4746946" cy="2979637"/>
+          </a:xfrm>
+        </p:grpSpPr>
+        <p:sp>
+          <p:nvSpPr>
+            <p:cNvPr id="18" name="타원 17">
+              <a:extLst>
+                <a:ext uri="{FF2B5EF4-FFF2-40B4-BE49-F238E27FC236}">
+                  <a16:creationId xmlns:a16="http://schemas.microsoft.com/office/drawing/2014/main" id="{569F88A2-324C-4FDE-A576-F22659DE5A78}"/>
+                </a:ext>
+              </a:extLst>
+            </p:cNvPr>
+            <p:cNvSpPr/>
+            <p:nvPr/>
+          </p:nvSpPr>
+          <p:spPr>
+            <a:xfrm>
+              <a:off x="3356042" y="4050023"/>
+              <a:ext cx="2652409" cy="2786974"/>
+            </a:xfrm>
+            <a:prstGeom prst="ellipse">
+              <a:avLst/>
+            </a:prstGeom>
+            <a:solidFill>
+              <a:srgbClr val="F1B851">
+                <a:alpha val="27000"/>
+              </a:srgbClr>
+            </a:solidFill>
+            <a:ln w="25400" cap="flat" cmpd="sng" algn="ctr">
+              <a:solidFill>
+                <a:schemeClr val="accent4">
+                  <a:lumMod val="20000"/>
+                  <a:lumOff val="80000"/>
+                </a:schemeClr>
+              </a:solidFill>
+              <a:prstDash val="solid"/>
+              <a:round/>
+              <a:headEnd type="none" w="med" len="med"/>
+              <a:tailEnd type="none" w="med" len="med"/>
+            </a:ln>
+          </p:spPr>
+          <p:style>
+            <a:lnRef idx="0">
+              <a:scrgbClr r="0" g="0" b="0"/>
+            </a:lnRef>
+            <a:fillRef idx="0">
+              <a:scrgbClr r="0" g="0" b="0"/>
+            </a:fillRef>
+            <a:effectRef idx="0">
+              <a:scrgbClr r="0" g="0" b="0"/>
+            </a:effectRef>
+            <a:fontRef idx="minor">
+              <a:schemeClr val="dk1"/>
+            </a:fontRef>
+          </p:style>
+          <p:txBody>
+            <a:bodyPr rtlCol="0" anchor="ctr"/>
+            <a:lstStyle/>
+            <a:p>
+              <a:pPr algn="ctr"/>
+              <a:endParaRPr lang="ko-KR" altLang="en-US" dirty="0" err="1"/>
+            </a:p>
+          </p:txBody>
+        </p:sp>
+        <p:pic>
+          <p:nvPicPr>
+            <p:cNvPr id="15" name="그림 14">
+              <a:extLst>
+                <a:ext uri="{FF2B5EF4-FFF2-40B4-BE49-F238E27FC236}">
+                  <a16:creationId xmlns:a16="http://schemas.microsoft.com/office/drawing/2014/main" id="{0C649C1E-0BFB-42B3-A3C8-B3467081F35C}"/>
+                </a:ext>
+              </a:extLst>
+            </p:cNvPr>
+            <p:cNvPicPr>
+              <a:picLocks noChangeAspect="1"/>
+            </p:cNvPicPr>
+            <p:nvPr/>
+          </p:nvPicPr>
+          <p:blipFill>
+            <a:blip r:embed="rId5"/>
+            <a:stretch>
+              <a:fillRect/>
+            </a:stretch>
+          </p:blipFill>
+          <p:spPr>
+            <a:xfrm>
+              <a:off x="1261505" y="3857360"/>
+              <a:ext cx="2200275" cy="2886075"/>
+            </a:xfrm>
+            <a:prstGeom prst="rect">
+              <a:avLst/>
+            </a:prstGeom>
+          </p:spPr>
+        </p:pic>
+      </p:grpSp>
+    </p:spTree>
+    <p:extLst>
+      <p:ext uri="{BB962C8B-B14F-4D97-AF65-F5344CB8AC3E}">
+        <p14:creationId xmlns:p14="http://schemas.microsoft.com/office/powerpoint/2010/main" val="3067633458"/>
+      </p:ext>
+    </p:extLst>
+  </p:cSld>
+  <p:clrMapOvr>
+    <a:masterClrMapping/>
+  </p:clrMapOvr>
+  <mc:AlternateContent xmlns:mc="http://schemas.openxmlformats.org/markup-compatibility/2006" xmlns:p14="http://schemas.microsoft.com/office/powerpoint/2010/main">
+    <mc:Choice Requires="p14">
+      <p:transition spd="med" p14:dur="700">
+        <p:fade/>
+      </p:transition>
+    </mc:Choice>
+    <mc:Fallback xmlns="">
+      <p:transition spd="med">
+        <p:fade/>
+      </p:transition>
+    </mc:Fallback>
+  </mc:AlternateContent>
+  <p:timing>
+    <p:tnLst>
+      <p:par>
+        <p:cTn id="1" dur="indefinite" restart="never" nodeType="tmRoot">
+          <p:childTnLst>
+            <p:seq concurrent="1" nextAc="seek">
+              <p:cTn id="2" dur="indefinite" nodeType="mainSeq">
+                <p:childTnLst>
+                  <p:par>
+                    <p:cTn id="3" fill="hold">
+                      <p:stCondLst>
+                        <p:cond delay="indefinite"/>
+                      </p:stCondLst>
+                      <p:childTnLst>
+                        <p:par>
+                          <p:cTn id="4" fill="hold">
+                            <p:stCondLst>
+                              <p:cond delay="0"/>
+                            </p:stCondLst>
+                            <p:childTnLst>
+                              <p:par>
+                                <p:cTn id="5" presetID="10" presetClass="entr" presetSubtype="0" fill="hold" nodeType="clickEffect">
+                                  <p:stCondLst>
+                                    <p:cond delay="0"/>
+                                  </p:stCondLst>
+                                  <p:childTnLst>
+                                    <p:set>
+                                      <p:cBhvr>
+                                        <p:cTn id="6" dur="1" fill="hold">
+                                          <p:stCondLst>
+                                            <p:cond delay="0"/>
+                                          </p:stCondLst>
+                                        </p:cTn>
+                                        <p:tgtEl>
+                                          <p:spTgt spid="19"/>
+                                        </p:tgtEl>
+                                        <p:attrNameLst>
+                                          <p:attrName>style.visibility</p:attrName>
+                                        </p:attrNameLst>
+                                      </p:cBhvr>
+                                      <p:to>
+                                        <p:strVal val="visible"/>
+                                      </p:to>
+                                    </p:set>
+                                    <p:animEffect transition="in" filter="fade">
+                                      <p:cBhvr>
+                                        <p:cTn id="7" dur="500"/>
+                                        <p:tgtEl>
+                                          <p:spTgt spid="19"/>
+                                        </p:tgtEl>
+                                      </p:cBhvr>
+                                    </p:animEffect>
+                                  </p:childTnLst>
+                                </p:cTn>
+                              </p:par>
+                            </p:childTnLst>
+                          </p:cTn>
+                        </p:par>
+                      </p:childTnLst>
+                    </p:cTn>
+                  </p:par>
+                  <p:par>
+                    <p:cTn id="8" fill="hold">
+                      <p:stCondLst>
+                        <p:cond delay="indefinite"/>
+                      </p:stCondLst>
+                      <p:childTnLst>
+                        <p:par>
+                          <p:cTn id="9" fill="hold">
+                            <p:stCondLst>
+                              <p:cond delay="0"/>
+                            </p:stCondLst>
+                            <p:childTnLst>
+                              <p:par>
+                                <p:cTn id="10" presetID="10" presetClass="entr" presetSubtype="0" fill="hold" nodeType="clickEffect">
+                                  <p:stCondLst>
+                                    <p:cond delay="0"/>
+                                  </p:stCondLst>
+                                  <p:childTnLst>
+                                    <p:set>
+                                      <p:cBhvr>
+                                        <p:cTn id="11" dur="1" fill="hold">
+                                          <p:stCondLst>
+                                            <p:cond delay="0"/>
+                                          </p:stCondLst>
+                                        </p:cTn>
+                                        <p:tgtEl>
+                                          <p:spTgt spid="21"/>
+                                        </p:tgtEl>
+                                        <p:attrNameLst>
+                                          <p:attrName>style.visibility</p:attrName>
+                                        </p:attrNameLst>
+                                      </p:cBhvr>
+                                      <p:to>
+                                        <p:strVal val="visible"/>
+                                      </p:to>
+                                    </p:set>
+                                    <p:animEffect transition="in" filter="fade">
+                                      <p:cBhvr>
+                                        <p:cTn id="12" dur="500"/>
+                                        <p:tgtEl>
+                                          <p:spTgt spid="21"/>
+                                        </p:tgtEl>
+                                      </p:cBhvr>
+                                    </p:animEffect>
+                                  </p:childTnLst>
+                                </p:cTn>
+                              </p:par>
+                            </p:childTnLst>
+                          </p:cTn>
+                        </p:par>
+                      </p:childTnLst>
+                    </p:cTn>
+                  </p:par>
+                  <p:par>
+                    <p:cTn id="13" fill="hold">
+                      <p:stCondLst>
+                        <p:cond delay="indefinite"/>
+                      </p:stCondLst>
+                      <p:childTnLst>
+                        <p:par>
+                          <p:cTn id="14" fill="hold">
+                            <p:stCondLst>
+                              <p:cond delay="0"/>
+                            </p:stCondLst>
+                            <p:childTnLst>
+                              <p:par>
+                                <p:cTn id="15" presetID="10" presetClass="entr" presetSubtype="0" fill="hold" nodeType="clickEffect">
+                                  <p:stCondLst>
+                                    <p:cond delay="0"/>
+                                  </p:stCondLst>
+                                  <p:childTnLst>
+                                    <p:set>
+                                      <p:cBhvr>
+                                        <p:cTn id="16" dur="1" fill="hold">
+                                          <p:stCondLst>
+                                            <p:cond delay="0"/>
+                                          </p:stCondLst>
+                                        </p:cTn>
+                                        <p:tgtEl>
+                                          <p:spTgt spid="20"/>
+                                        </p:tgtEl>
+                                        <p:attrNameLst>
+                                          <p:attrName>style.visibility</p:attrName>
+                                        </p:attrNameLst>
+                                      </p:cBhvr>
+                                      <p:to>
+                                        <p:strVal val="visible"/>
+                                      </p:to>
+                                    </p:set>
+                                    <p:animEffect transition="in" filter="fade">
+                                      <p:cBhvr>
+                                        <p:cTn id="17" dur="500"/>
+                                        <p:tgtEl>
+                                          <p:spTgt spid="20"/>
+                                        </p:tgtEl>
+                                      </p:cBhvr>
+                                    </p:animEffect>
+                                  </p:childTnLst>
+                                </p:cTn>
+                              </p:par>
+                            </p:childTnLst>
+                          </p:cTn>
+                        </p:par>
+                      </p:childTnLst>
+                    </p:cTn>
+                  </p:par>
+                </p:childTnLst>
+              </p:cTn>
+              <p:prevCondLst>
+                <p:cond evt="onPrev" delay="0">
+                  <p:tgtEl>
+                    <p:sldTgt/>
+                  </p:tgtEl>
+                </p:cond>
+              </p:prevCondLst>
+              <p:nextCondLst>
+                <p:cond evt="onNext" delay="0">
+                  <p:tgtEl>
+                    <p:sldTgt/>
+                  </p:tgtEl>
+                </p:cond>
+              </p:nextCondLst>
+            </p:seq>
+          </p:childTnLst>
+        </p:cTn>
+      </p:par>
+    </p:tnLst>
+  </p:timing>
 </p:sld>
 </file>
 
